--- a/Problem_2_opis.pptx
+++ b/Problem_2_opis.pptx
@@ -5,22 +5,34 @@
     <p:sldMasterId id="2147483648" r:id="rId1"/>
   </p:sldMasterIdLst>
   <p:sldIdLst>
-    <p:sldId id="256" r:id="rId2"/>
-    <p:sldId id="257" r:id="rId3"/>
-    <p:sldId id="258" r:id="rId4"/>
-    <p:sldId id="259" r:id="rId5"/>
-    <p:sldId id="260" r:id="rId6"/>
-    <p:sldId id="261" r:id="rId7"/>
-    <p:sldId id="262" r:id="rId8"/>
-    <p:sldId id="263" r:id="rId9"/>
-    <p:sldId id="264" r:id="rId10"/>
-    <p:sldId id="265" r:id="rId11"/>
-    <p:sldId id="266" r:id="rId12"/>
-    <p:sldId id="267" r:id="rId13"/>
-    <p:sldId id="268" r:id="rId14"/>
-    <p:sldId id="269" r:id="rId15"/>
-    <p:sldId id="270" r:id="rId16"/>
-    <p:sldId id="271" r:id="rId17"/>
+    <p:sldId id="272" r:id="rId2"/>
+    <p:sldId id="273" r:id="rId3"/>
+    <p:sldId id="274" r:id="rId4"/>
+    <p:sldId id="275" r:id="rId5"/>
+    <p:sldId id="276" r:id="rId6"/>
+    <p:sldId id="277" r:id="rId7"/>
+    <p:sldId id="278" r:id="rId8"/>
+    <p:sldId id="279" r:id="rId9"/>
+    <p:sldId id="280" r:id="rId10"/>
+    <p:sldId id="281" r:id="rId11"/>
+    <p:sldId id="282" r:id="rId12"/>
+    <p:sldId id="283" r:id="rId13"/>
+    <p:sldId id="256" r:id="rId14"/>
+    <p:sldId id="257" r:id="rId15"/>
+    <p:sldId id="258" r:id="rId16"/>
+    <p:sldId id="259" r:id="rId17"/>
+    <p:sldId id="260" r:id="rId18"/>
+    <p:sldId id="261" r:id="rId19"/>
+    <p:sldId id="262" r:id="rId20"/>
+    <p:sldId id="263" r:id="rId21"/>
+    <p:sldId id="264" r:id="rId22"/>
+    <p:sldId id="265" r:id="rId23"/>
+    <p:sldId id="266" r:id="rId24"/>
+    <p:sldId id="267" r:id="rId25"/>
+    <p:sldId id="268" r:id="rId26"/>
+    <p:sldId id="269" r:id="rId27"/>
+    <p:sldId id="270" r:id="rId28"/>
+    <p:sldId id="271" r:id="rId29"/>
   </p:sldIdLst>
   <p:sldSz cx="12192000" cy="6858000"/>
   <p:notesSz cx="6858000" cy="9144000"/>
@@ -121,7 +133,7 @@
   </p:defaultTextStyle>
   <p:extLst>
     <p:ext uri="{EFAFB233-063F-42B5-8137-9DF3F51BA10A}">
-      <p15:sldGuideLst xmlns:p15="http://schemas.microsoft.com/office/powerpoint/2012/main"/>
+      <p15:sldGuideLst xmlns:p15="http://schemas.microsoft.com/office/powerpoint/2012/main" xmlns=""/>
     </p:ext>
   </p:extLst>
 </p:presentation>
@@ -264,6 +276,7 @@
           <a:p>
             <a:fld id="{F98AA868-8872-43E4-8C98-D34DABD1FD38}" type="datetimeFigureOut">
               <a:rPr lang="pl-PL" smtClean="0"/>
+              <a:pPr/>
               <a:t>18.06.2024</a:t>
             </a:fld>
             <a:endParaRPr lang="pl-PL"/>
@@ -306,6 +319,7 @@
           <a:p>
             <a:fld id="{C77C6C3F-668B-4AF5-BFA9-0F657EB068D6}" type="slidenum">
               <a:rPr lang="pl-PL" smtClean="0"/>
+              <a:pPr/>
               <a:t>‹#›</a:t>
             </a:fld>
             <a:endParaRPr lang="pl-PL"/>
@@ -315,7 +329,7 @@
     </p:spTree>
     <p:extLst>
       <p:ext uri="{BB962C8B-B14F-4D97-AF65-F5344CB8AC3E}">
-        <p14:creationId xmlns:p14="http://schemas.microsoft.com/office/powerpoint/2010/main" val="3391757436"/>
+        <p14:creationId xmlns:p14="http://schemas.microsoft.com/office/powerpoint/2010/main" xmlns="" val="3391757436"/>
       </p:ext>
     </p:extLst>
   </p:cSld>
@@ -432,6 +446,7 @@
           <a:p>
             <a:fld id="{F98AA868-8872-43E4-8C98-D34DABD1FD38}" type="datetimeFigureOut">
               <a:rPr lang="pl-PL" smtClean="0"/>
+              <a:pPr/>
               <a:t>18.06.2024</a:t>
             </a:fld>
             <a:endParaRPr lang="pl-PL"/>
@@ -474,6 +489,7 @@
           <a:p>
             <a:fld id="{C77C6C3F-668B-4AF5-BFA9-0F657EB068D6}" type="slidenum">
               <a:rPr lang="pl-PL" smtClean="0"/>
+              <a:pPr/>
               <a:t>‹#›</a:t>
             </a:fld>
             <a:endParaRPr lang="pl-PL"/>
@@ -483,7 +499,7 @@
     </p:spTree>
     <p:extLst>
       <p:ext uri="{BB962C8B-B14F-4D97-AF65-F5344CB8AC3E}">
-        <p14:creationId xmlns:p14="http://schemas.microsoft.com/office/powerpoint/2010/main" val="2454508176"/>
+        <p14:creationId xmlns:p14="http://schemas.microsoft.com/office/powerpoint/2010/main" xmlns="" val="2454508176"/>
       </p:ext>
     </p:extLst>
   </p:cSld>
@@ -610,6 +626,7 @@
           <a:p>
             <a:fld id="{F98AA868-8872-43E4-8C98-D34DABD1FD38}" type="datetimeFigureOut">
               <a:rPr lang="pl-PL" smtClean="0"/>
+              <a:pPr/>
               <a:t>18.06.2024</a:t>
             </a:fld>
             <a:endParaRPr lang="pl-PL"/>
@@ -652,6 +669,7 @@
           <a:p>
             <a:fld id="{C77C6C3F-668B-4AF5-BFA9-0F657EB068D6}" type="slidenum">
               <a:rPr lang="pl-PL" smtClean="0"/>
+              <a:pPr/>
               <a:t>‹#›</a:t>
             </a:fld>
             <a:endParaRPr lang="pl-PL"/>
@@ -661,7 +679,7 @@
     </p:spTree>
     <p:extLst>
       <p:ext uri="{BB962C8B-B14F-4D97-AF65-F5344CB8AC3E}">
-        <p14:creationId xmlns:p14="http://schemas.microsoft.com/office/powerpoint/2010/main" val="1340386666"/>
+        <p14:creationId xmlns:p14="http://schemas.microsoft.com/office/powerpoint/2010/main" xmlns="" val="1340386666"/>
       </p:ext>
     </p:extLst>
   </p:cSld>
@@ -778,6 +796,7 @@
           <a:p>
             <a:fld id="{F98AA868-8872-43E4-8C98-D34DABD1FD38}" type="datetimeFigureOut">
               <a:rPr lang="pl-PL" smtClean="0"/>
+              <a:pPr/>
               <a:t>18.06.2024</a:t>
             </a:fld>
             <a:endParaRPr lang="pl-PL"/>
@@ -820,6 +839,7 @@
           <a:p>
             <a:fld id="{C77C6C3F-668B-4AF5-BFA9-0F657EB068D6}" type="slidenum">
               <a:rPr lang="pl-PL" smtClean="0"/>
+              <a:pPr/>
               <a:t>‹#›</a:t>
             </a:fld>
             <a:endParaRPr lang="pl-PL"/>
@@ -829,7 +849,7 @@
     </p:spTree>
     <p:extLst>
       <p:ext uri="{BB962C8B-B14F-4D97-AF65-F5344CB8AC3E}">
-        <p14:creationId xmlns:p14="http://schemas.microsoft.com/office/powerpoint/2010/main" val="967380084"/>
+        <p14:creationId xmlns:p14="http://schemas.microsoft.com/office/powerpoint/2010/main" xmlns="" val="967380084"/>
       </p:ext>
     </p:extLst>
   </p:cSld>
@@ -1023,6 +1043,7 @@
           <a:p>
             <a:fld id="{F98AA868-8872-43E4-8C98-D34DABD1FD38}" type="datetimeFigureOut">
               <a:rPr lang="pl-PL" smtClean="0"/>
+              <a:pPr/>
               <a:t>18.06.2024</a:t>
             </a:fld>
             <a:endParaRPr lang="pl-PL"/>
@@ -1065,6 +1086,7 @@
           <a:p>
             <a:fld id="{C77C6C3F-668B-4AF5-BFA9-0F657EB068D6}" type="slidenum">
               <a:rPr lang="pl-PL" smtClean="0"/>
+              <a:pPr/>
               <a:t>‹#›</a:t>
             </a:fld>
             <a:endParaRPr lang="pl-PL"/>
@@ -1074,7 +1096,7 @@
     </p:spTree>
     <p:extLst>
       <p:ext uri="{BB962C8B-B14F-4D97-AF65-F5344CB8AC3E}">
-        <p14:creationId xmlns:p14="http://schemas.microsoft.com/office/powerpoint/2010/main" val="13234121"/>
+        <p14:creationId xmlns:p14="http://schemas.microsoft.com/office/powerpoint/2010/main" xmlns="" val="13234121"/>
       </p:ext>
     </p:extLst>
   </p:cSld>
@@ -1252,6 +1274,7 @@
           <a:p>
             <a:fld id="{F98AA868-8872-43E4-8C98-D34DABD1FD38}" type="datetimeFigureOut">
               <a:rPr lang="pl-PL" smtClean="0"/>
+              <a:pPr/>
               <a:t>18.06.2024</a:t>
             </a:fld>
             <a:endParaRPr lang="pl-PL"/>
@@ -1294,6 +1317,7 @@
           <a:p>
             <a:fld id="{C77C6C3F-668B-4AF5-BFA9-0F657EB068D6}" type="slidenum">
               <a:rPr lang="pl-PL" smtClean="0"/>
+              <a:pPr/>
               <a:t>‹#›</a:t>
             </a:fld>
             <a:endParaRPr lang="pl-PL"/>
@@ -1303,7 +1327,7 @@
     </p:spTree>
     <p:extLst>
       <p:ext uri="{BB962C8B-B14F-4D97-AF65-F5344CB8AC3E}">
-        <p14:creationId xmlns:p14="http://schemas.microsoft.com/office/powerpoint/2010/main" val="3883036252"/>
+        <p14:creationId xmlns:p14="http://schemas.microsoft.com/office/powerpoint/2010/main" xmlns="" val="3883036252"/>
       </p:ext>
     </p:extLst>
   </p:cSld>
@@ -1616,6 +1640,7 @@
           <a:p>
             <a:fld id="{F98AA868-8872-43E4-8C98-D34DABD1FD38}" type="datetimeFigureOut">
               <a:rPr lang="pl-PL" smtClean="0"/>
+              <a:pPr/>
               <a:t>18.06.2024</a:t>
             </a:fld>
             <a:endParaRPr lang="pl-PL"/>
@@ -1658,6 +1683,7 @@
           <a:p>
             <a:fld id="{C77C6C3F-668B-4AF5-BFA9-0F657EB068D6}" type="slidenum">
               <a:rPr lang="pl-PL" smtClean="0"/>
+              <a:pPr/>
               <a:t>‹#›</a:t>
             </a:fld>
             <a:endParaRPr lang="pl-PL"/>
@@ -1667,7 +1693,7 @@
     </p:spTree>
     <p:extLst>
       <p:ext uri="{BB962C8B-B14F-4D97-AF65-F5344CB8AC3E}">
-        <p14:creationId xmlns:p14="http://schemas.microsoft.com/office/powerpoint/2010/main" val="961808292"/>
+        <p14:creationId xmlns:p14="http://schemas.microsoft.com/office/powerpoint/2010/main" xmlns="" val="961808292"/>
       </p:ext>
     </p:extLst>
   </p:cSld>
@@ -1733,6 +1759,7 @@
           <a:p>
             <a:fld id="{F98AA868-8872-43E4-8C98-D34DABD1FD38}" type="datetimeFigureOut">
               <a:rPr lang="pl-PL" smtClean="0"/>
+              <a:pPr/>
               <a:t>18.06.2024</a:t>
             </a:fld>
             <a:endParaRPr lang="pl-PL"/>
@@ -1775,6 +1802,7 @@
           <a:p>
             <a:fld id="{C77C6C3F-668B-4AF5-BFA9-0F657EB068D6}" type="slidenum">
               <a:rPr lang="pl-PL" smtClean="0"/>
+              <a:pPr/>
               <a:t>‹#›</a:t>
             </a:fld>
             <a:endParaRPr lang="pl-PL"/>
@@ -1784,7 +1812,7 @@
     </p:spTree>
     <p:extLst>
       <p:ext uri="{BB962C8B-B14F-4D97-AF65-F5344CB8AC3E}">
-        <p14:creationId xmlns:p14="http://schemas.microsoft.com/office/powerpoint/2010/main" val="1544797292"/>
+        <p14:creationId xmlns:p14="http://schemas.microsoft.com/office/powerpoint/2010/main" xmlns="" val="1544797292"/>
       </p:ext>
     </p:extLst>
   </p:cSld>
@@ -1828,6 +1856,7 @@
           <a:p>
             <a:fld id="{F98AA868-8872-43E4-8C98-D34DABD1FD38}" type="datetimeFigureOut">
               <a:rPr lang="pl-PL" smtClean="0"/>
+              <a:pPr/>
               <a:t>18.06.2024</a:t>
             </a:fld>
             <a:endParaRPr lang="pl-PL"/>
@@ -1870,6 +1899,7 @@
           <a:p>
             <a:fld id="{C77C6C3F-668B-4AF5-BFA9-0F657EB068D6}" type="slidenum">
               <a:rPr lang="pl-PL" smtClean="0"/>
+              <a:pPr/>
               <a:t>‹#›</a:t>
             </a:fld>
             <a:endParaRPr lang="pl-PL"/>
@@ -1879,7 +1909,7 @@
     </p:spTree>
     <p:extLst>
       <p:ext uri="{BB962C8B-B14F-4D97-AF65-F5344CB8AC3E}">
-        <p14:creationId xmlns:p14="http://schemas.microsoft.com/office/powerpoint/2010/main" val="1850839136"/>
+        <p14:creationId xmlns:p14="http://schemas.microsoft.com/office/powerpoint/2010/main" xmlns="" val="1850839136"/>
       </p:ext>
     </p:extLst>
   </p:cSld>
@@ -2103,6 +2133,7 @@
           <a:p>
             <a:fld id="{F98AA868-8872-43E4-8C98-D34DABD1FD38}" type="datetimeFigureOut">
               <a:rPr lang="pl-PL" smtClean="0"/>
+              <a:pPr/>
               <a:t>18.06.2024</a:t>
             </a:fld>
             <a:endParaRPr lang="pl-PL"/>
@@ -2145,6 +2176,7 @@
           <a:p>
             <a:fld id="{C77C6C3F-668B-4AF5-BFA9-0F657EB068D6}" type="slidenum">
               <a:rPr lang="pl-PL" smtClean="0"/>
+              <a:pPr/>
               <a:t>‹#›</a:t>
             </a:fld>
             <a:endParaRPr lang="pl-PL"/>
@@ -2154,7 +2186,7 @@
     </p:spTree>
     <p:extLst>
       <p:ext uri="{BB962C8B-B14F-4D97-AF65-F5344CB8AC3E}">
-        <p14:creationId xmlns:p14="http://schemas.microsoft.com/office/powerpoint/2010/main" val="2715530444"/>
+        <p14:creationId xmlns:p14="http://schemas.microsoft.com/office/powerpoint/2010/main" xmlns="" val="2715530444"/>
       </p:ext>
     </p:extLst>
   </p:cSld>
@@ -2355,6 +2387,7 @@
           <a:p>
             <a:fld id="{F98AA868-8872-43E4-8C98-D34DABD1FD38}" type="datetimeFigureOut">
               <a:rPr lang="pl-PL" smtClean="0"/>
+              <a:pPr/>
               <a:t>18.06.2024</a:t>
             </a:fld>
             <a:endParaRPr lang="pl-PL"/>
@@ -2397,6 +2430,7 @@
           <a:p>
             <a:fld id="{C77C6C3F-668B-4AF5-BFA9-0F657EB068D6}" type="slidenum">
               <a:rPr lang="pl-PL" smtClean="0"/>
+              <a:pPr/>
               <a:t>‹#›</a:t>
             </a:fld>
             <a:endParaRPr lang="pl-PL"/>
@@ -2406,7 +2440,7 @@
     </p:spTree>
     <p:extLst>
       <p:ext uri="{BB962C8B-B14F-4D97-AF65-F5344CB8AC3E}">
-        <p14:creationId xmlns:p14="http://schemas.microsoft.com/office/powerpoint/2010/main" val="3024906009"/>
+        <p14:creationId xmlns:p14="http://schemas.microsoft.com/office/powerpoint/2010/main" xmlns="" val="3024906009"/>
       </p:ext>
     </p:extLst>
   </p:cSld>
@@ -2566,6 +2600,7 @@
           <a:p>
             <a:fld id="{F98AA868-8872-43E4-8C98-D34DABD1FD38}" type="datetimeFigureOut">
               <a:rPr lang="pl-PL" smtClean="0"/>
+              <a:pPr/>
               <a:t>18.06.2024</a:t>
             </a:fld>
             <a:endParaRPr lang="pl-PL"/>
@@ -2644,6 +2679,7 @@
           <a:p>
             <a:fld id="{C77C6C3F-668B-4AF5-BFA9-0F657EB068D6}" type="slidenum">
               <a:rPr lang="pl-PL" smtClean="0"/>
+              <a:pPr/>
               <a:t>‹#›</a:t>
             </a:fld>
             <a:endParaRPr lang="pl-PL"/>
@@ -2653,7 +2689,7 @@
     </p:spTree>
     <p:extLst>
       <p:ext uri="{BB962C8B-B14F-4D97-AF65-F5344CB8AC3E}">
-        <p14:creationId xmlns:p14="http://schemas.microsoft.com/office/powerpoint/2010/main" val="3926633689"/>
+        <p14:creationId xmlns:p14="http://schemas.microsoft.com/office/powerpoint/2010/main" xmlns="" val="3926633689"/>
       </p:ext>
     </p:extLst>
   </p:cSld>
@@ -2987,9 +3023,17 @@
           <a:lstStyle/>
           <a:p>
             <a:r>
-              <a:rPr lang="pl-PL" dirty="0"/>
-              <a:t>Opis rozwiązania problemu nr 2</a:t>
-            </a:r>
+              <a:rPr lang="pl-PL" dirty="0" smtClean="0"/>
+              <a:t>Opis</a:t>
+            </a:r>
+            <a:br>
+              <a:rPr lang="pl-PL" dirty="0" smtClean="0"/>
+            </a:br>
+            <a:r>
+              <a:rPr lang="pl-PL" dirty="0" smtClean="0"/>
+              <a:t>rozwiązania problemu nr 1</a:t>
+            </a:r>
+            <a:endParaRPr lang="pl-PL" dirty="0"/>
           </a:p>
         </p:txBody>
       </p:sp>
@@ -3013,11 +3057,6 @@
         </p:txBody>
       </p:sp>
     </p:spTree>
-    <p:extLst>
-      <p:ext uri="{BB962C8B-B14F-4D97-AF65-F5344CB8AC3E}">
-        <p14:creationId xmlns:p14="http://schemas.microsoft.com/office/powerpoint/2010/main" val="650317164"/>
-      </p:ext>
-    </p:extLst>
   </p:cSld>
   <p:clrMapOvr>
     <a:masterClrMapping/>
@@ -3044,13 +3083,7 @@
       </p:grpSpPr>
       <p:sp>
         <p:nvSpPr>
-          <p:cNvPr id="2" name="Tytuł 1">
-            <a:extLst>
-              <a:ext uri="{FF2B5EF4-FFF2-40B4-BE49-F238E27FC236}">
-                <a16:creationId xmlns:a16="http://schemas.microsoft.com/office/drawing/2014/main" id="{F304D8BE-DC88-F4FF-2F20-1DDA58C53B10}"/>
-              </a:ext>
-            </a:extLst>
-          </p:cNvPr>
+          <p:cNvPr id="2" name="Tytuł 1"/>
           <p:cNvSpPr>
             <a:spLocks noGrp="1"/>
           </p:cNvSpPr>
@@ -3063,26 +3096,13 @@
           <a:bodyPr/>
           <a:lstStyle/>
           <a:p>
-            <a:r>
-              <a:rPr lang="pl-PL" dirty="0"/>
-              <a:t>Działanie algorytmu </a:t>
-            </a:r>
-            <a:r>
-              <a:rPr lang="pl-PL" dirty="0" err="1"/>
-              <a:t>Boyera-moora</a:t>
-            </a:r>
-          </a:p>
-        </p:txBody>
-      </p:sp>
-      <p:sp>
-        <p:nvSpPr>
-          <p:cNvPr id="3" name="Symbol zastępczy zawartości 2">
-            <a:extLst>
-              <a:ext uri="{FF2B5EF4-FFF2-40B4-BE49-F238E27FC236}">
-                <a16:creationId xmlns:a16="http://schemas.microsoft.com/office/drawing/2014/main" id="{53132E3A-730A-3753-E297-BA493FA9A5B9}"/>
-              </a:ext>
-            </a:extLst>
-          </p:cNvPr>
+            <a:endParaRPr lang="pl-PL"/>
+          </a:p>
+        </p:txBody>
+      </p:sp>
+      <p:sp>
+        <p:nvSpPr>
+          <p:cNvPr id="3" name="Symbol zastępczy zawartości 2"/>
           <p:cNvSpPr>
             <a:spLocks noGrp="1"/>
           </p:cNvSpPr>
@@ -3092,40 +3112,40 @@
         </p:nvSpPr>
         <p:spPr/>
         <p:txBody>
-          <a:bodyPr vert="horz" lIns="91440" tIns="45720" rIns="91440" bIns="45720" rtlCol="0" anchor="t">
-            <a:normAutofit/>
-          </a:bodyPr>
-          <a:lstStyle/>
-          <a:p>
-            <a:r>
-              <a:rPr lang="pl-PL" dirty="0"/>
-              <a:t>Przykład</a:t>
-            </a:r>
-          </a:p>
-          <a:p>
-            <a:pPr marL="0" indent="0">
-              <a:buNone/>
-            </a:pPr>
-            <a:r>
-              <a:rPr lang="pl-PL" dirty="0">
-                <a:ea typeface="+mn-lt"/>
-                <a:cs typeface="+mn-lt"/>
-              </a:rPr>
-              <a:t>Mamy tekst (opowieść): ABACABADABACABA i wzorzec, który chcemy znaleźć: ABA</a:t>
-            </a:r>
-            <a:endParaRPr lang="pl-PL" dirty="0"/>
-          </a:p>
-          <a:p>
-            <a:endParaRPr lang="pl-PL" dirty="0"/>
-          </a:p>
-        </p:txBody>
-      </p:sp>
+          <a:bodyPr/>
+          <a:lstStyle/>
+          <a:p>
+            <a:endParaRPr lang="pl-PL"/>
+          </a:p>
+        </p:txBody>
+      </p:sp>
+      <p:pic>
+        <p:nvPicPr>
+          <p:cNvPr id="9218" name="Picture 2" descr="C:\Users\HP\Desktop\Płaszczaki\plot po kolei\10.png"/>
+          <p:cNvPicPr>
+            <a:picLocks noChangeAspect="1" noChangeArrowheads="1"/>
+          </p:cNvPicPr>
+          <p:nvPr/>
+        </p:nvPicPr>
+        <p:blipFill>
+          <a:blip r:embed="rId2" cstate="print"/>
+          <a:srcRect/>
+          <a:stretch>
+            <a:fillRect/>
+          </a:stretch>
+        </p:blipFill>
+        <p:spPr bwMode="auto">
+          <a:xfrm>
+            <a:off x="160337" y="146803"/>
+            <a:ext cx="12031663" cy="6554787"/>
+          </a:xfrm>
+          <a:prstGeom prst="rect">
+            <a:avLst/>
+          </a:prstGeom>
+          <a:noFill/>
+        </p:spPr>
+      </p:pic>
     </p:spTree>
-    <p:extLst>
-      <p:ext uri="{BB962C8B-B14F-4D97-AF65-F5344CB8AC3E}">
-        <p14:creationId xmlns:p14="http://schemas.microsoft.com/office/powerpoint/2010/main" val="2312225875"/>
-      </p:ext>
-    </p:extLst>
   </p:cSld>
   <p:clrMapOvr>
     <a:masterClrMapping/>
@@ -3152,13 +3172,7 @@
       </p:grpSpPr>
       <p:sp>
         <p:nvSpPr>
-          <p:cNvPr id="2" name="Tytuł 1">
-            <a:extLst>
-              <a:ext uri="{FF2B5EF4-FFF2-40B4-BE49-F238E27FC236}">
-                <a16:creationId xmlns:a16="http://schemas.microsoft.com/office/drawing/2014/main" id="{A29696BC-2468-58AE-4004-CA59CF53EB11}"/>
-              </a:ext>
-            </a:extLst>
-          </p:cNvPr>
+          <p:cNvPr id="2" name="Tytuł 1"/>
           <p:cNvSpPr>
             <a:spLocks noGrp="1"/>
           </p:cNvSpPr>
@@ -3171,40 +3185,13 @@
           <a:bodyPr/>
           <a:lstStyle/>
           <a:p>
-            <a:r>
-              <a:rPr lang="pl-PL" sz="2800" dirty="0">
-                <a:ea typeface="+mj-lt"/>
-                <a:cs typeface="+mj-lt"/>
-              </a:rPr>
-              <a:t>Krok 1: Przygotowanie tablicy przesunięć (</a:t>
-            </a:r>
-            <a:r>
-              <a:rPr lang="pl-PL" sz="2800" dirty="0" err="1">
-                <a:ea typeface="+mj-lt"/>
-                <a:cs typeface="+mj-lt"/>
-              </a:rPr>
-              <a:t>last_fill</a:t>
-            </a:r>
-            <a:r>
-              <a:rPr lang="pl-PL" sz="2800" dirty="0">
-                <a:ea typeface="+mj-lt"/>
-                <a:cs typeface="+mj-lt"/>
-              </a:rPr>
-              <a:t>)</a:t>
-            </a:r>
-            <a:endParaRPr lang="pl-PL" dirty="0"/>
-          </a:p>
-        </p:txBody>
-      </p:sp>
-      <p:sp>
-        <p:nvSpPr>
-          <p:cNvPr id="3" name="Symbol zastępczy zawartości 2">
-            <a:extLst>
-              <a:ext uri="{FF2B5EF4-FFF2-40B4-BE49-F238E27FC236}">
-                <a16:creationId xmlns:a16="http://schemas.microsoft.com/office/drawing/2014/main" id="{CA4866FB-3397-972A-DF3B-4C1945327ABB}"/>
-              </a:ext>
-            </a:extLst>
-          </p:cNvPr>
+            <a:endParaRPr lang="pl-PL"/>
+          </a:p>
+        </p:txBody>
+      </p:sp>
+      <p:sp>
+        <p:nvSpPr>
+          <p:cNvPr id="3" name="Symbol zastępczy zawartości 2"/>
           <p:cNvSpPr>
             <a:spLocks noGrp="1"/>
           </p:cNvSpPr>
@@ -3214,112 +3201,40 @@
         </p:nvSpPr>
         <p:spPr/>
         <p:txBody>
-          <a:bodyPr vert="horz" lIns="91440" tIns="45720" rIns="91440" bIns="45720" rtlCol="0" anchor="t">
-            <a:normAutofit/>
-          </a:bodyPr>
-          <a:lstStyle/>
-          <a:p>
-            <a:pPr marL="0" indent="0">
-              <a:buNone/>
-            </a:pPr>
-            <a:r>
-              <a:rPr lang="pl-PL" dirty="0">
-                <a:ea typeface="+mn-lt"/>
-                <a:cs typeface="+mn-lt"/>
-              </a:rPr>
-              <a:t>Najpierw tworzymy tablicę przesunięć dla wzorca ABA:</a:t>
-            </a:r>
-            <a:endParaRPr lang="pl-PL" dirty="0"/>
-          </a:p>
-          <a:p>
-            <a:pPr marL="0" indent="0">
-              <a:buNone/>
-            </a:pPr>
-            <a:r>
-              <a:rPr lang="pl-PL" b="1" dirty="0">
-                <a:ea typeface="+mn-lt"/>
-                <a:cs typeface="+mn-lt"/>
-              </a:rPr>
-              <a:t>litera</a:t>
-            </a:r>
-            <a:r>
-              <a:rPr lang="pl-PL" dirty="0">
-                <a:ea typeface="+mn-lt"/>
-                <a:cs typeface="+mn-lt"/>
-              </a:rPr>
-              <a:t>: tablica zawierająca wszystkie litery alfabetu angielskiego od a do z.</a:t>
-            </a:r>
-            <a:endParaRPr lang="pl-PL" dirty="0"/>
-          </a:p>
-          <a:p>
-            <a:pPr marL="0" indent="0">
-              <a:buNone/>
-            </a:pPr>
-            <a:r>
-              <a:rPr lang="pl-PL" b="1" dirty="0">
-                <a:ea typeface="+mn-lt"/>
-                <a:cs typeface="+mn-lt"/>
-              </a:rPr>
-              <a:t>liczba</a:t>
-            </a:r>
-            <a:r>
-              <a:rPr lang="pl-PL" dirty="0">
-                <a:ea typeface="+mn-lt"/>
-                <a:cs typeface="+mn-lt"/>
-              </a:rPr>
-              <a:t>: tablica zawierająca dla każdej litery alfabetu ostatnie wystąpienie tej litery we wzorcu.</a:t>
-            </a:r>
-            <a:endParaRPr lang="pl-PL" dirty="0"/>
-          </a:p>
-          <a:p>
-            <a:pPr marL="0" indent="0">
-              <a:buNone/>
-            </a:pPr>
-            <a:r>
-              <a:rPr lang="pl-PL" dirty="0">
-                <a:ea typeface="+mn-lt"/>
-                <a:cs typeface="+mn-lt"/>
-              </a:rPr>
-              <a:t>Dla wzorca ABA, tablica przesunięć będzie wyglądać następująco:</a:t>
-            </a:r>
-            <a:endParaRPr lang="pl-PL" dirty="0"/>
-          </a:p>
-          <a:p>
-            <a:pPr marL="0" indent="0">
-              <a:buNone/>
-            </a:pPr>
-            <a:r>
-              <a:rPr lang="pl-PL" dirty="0">
-                <a:ea typeface="+mn-lt"/>
-                <a:cs typeface="+mn-lt"/>
-              </a:rPr>
-              <a:t>litera: [a, b, c, d, ..., z]</a:t>
-            </a:r>
-          </a:p>
-          <a:p>
-            <a:pPr marL="0" indent="0">
-              <a:buNone/>
-            </a:pPr>
-            <a:r>
-              <a:rPr lang="pl-PL" dirty="0">
-                <a:ea typeface="+mn-lt"/>
-                <a:cs typeface="+mn-lt"/>
-              </a:rPr>
-              <a:t>liczba: [2, 1, -1, -1, ..., -1]</a:t>
-            </a:r>
-            <a:endParaRPr lang="pl-PL" dirty="0"/>
-          </a:p>
-          <a:p>
-            <a:endParaRPr lang="pl-PL" dirty="0"/>
-          </a:p>
-        </p:txBody>
-      </p:sp>
+          <a:bodyPr/>
+          <a:lstStyle/>
+          <a:p>
+            <a:endParaRPr lang="pl-PL"/>
+          </a:p>
+        </p:txBody>
+      </p:sp>
+      <p:pic>
+        <p:nvPicPr>
+          <p:cNvPr id="10242" name="Picture 2" descr="C:\Users\HP\Desktop\Płaszczaki\plot po kolei\11.png"/>
+          <p:cNvPicPr>
+            <a:picLocks noChangeAspect="1" noChangeArrowheads="1"/>
+          </p:cNvPicPr>
+          <p:nvPr/>
+        </p:nvPicPr>
+        <p:blipFill>
+          <a:blip r:embed="rId2" cstate="print"/>
+          <a:srcRect/>
+          <a:stretch>
+            <a:fillRect/>
+          </a:stretch>
+        </p:blipFill>
+        <p:spPr bwMode="auto">
+          <a:xfrm>
+            <a:off x="0" y="192588"/>
+            <a:ext cx="12296776" cy="6515100"/>
+          </a:xfrm>
+          <a:prstGeom prst="rect">
+            <a:avLst/>
+          </a:prstGeom>
+          <a:noFill/>
+        </p:spPr>
+      </p:pic>
     </p:spTree>
-    <p:extLst>
-      <p:ext uri="{BB962C8B-B14F-4D97-AF65-F5344CB8AC3E}">
-        <p14:creationId xmlns:p14="http://schemas.microsoft.com/office/powerpoint/2010/main" val="91725213"/>
-      </p:ext>
-    </p:extLst>
   </p:cSld>
   <p:clrMapOvr>
     <a:masterClrMapping/>
@@ -3346,13 +3261,7 @@
       </p:grpSpPr>
       <p:sp>
         <p:nvSpPr>
-          <p:cNvPr id="2" name="Tytuł 1">
-            <a:extLst>
-              <a:ext uri="{FF2B5EF4-FFF2-40B4-BE49-F238E27FC236}">
-                <a16:creationId xmlns:a16="http://schemas.microsoft.com/office/drawing/2014/main" id="{59CD738E-0AA9-0467-EFF4-7359A7841FDF}"/>
-              </a:ext>
-            </a:extLst>
-          </p:cNvPr>
+          <p:cNvPr id="2" name="Tytuł 1"/>
           <p:cNvSpPr>
             <a:spLocks noGrp="1"/>
           </p:cNvSpPr>
@@ -3365,19 +3274,17 @@
           <a:bodyPr/>
           <a:lstStyle/>
           <a:p>
-            <a:endParaRPr lang="pl-PL"/>
-          </a:p>
-        </p:txBody>
-      </p:sp>
-      <p:sp>
-        <p:nvSpPr>
-          <p:cNvPr id="3" name="Symbol zastępczy zawartości 2">
-            <a:extLst>
-              <a:ext uri="{FF2B5EF4-FFF2-40B4-BE49-F238E27FC236}">
-                <a16:creationId xmlns:a16="http://schemas.microsoft.com/office/drawing/2014/main" id="{99BB30CD-EE1E-883C-803A-C93DF1370D34}"/>
-              </a:ext>
-            </a:extLst>
-          </p:cNvPr>
+            <a:r>
+              <a:rPr lang="pl-PL" dirty="0" smtClean="0"/>
+              <a:t>Złożoności</a:t>
+            </a:r>
+            <a:endParaRPr lang="pl-PL" dirty="0"/>
+          </a:p>
+        </p:txBody>
+      </p:sp>
+      <p:sp>
+        <p:nvSpPr>
+          <p:cNvPr id="3" name="Symbol zastępczy zawartości 2"/>
           <p:cNvSpPr>
             <a:spLocks noGrp="1"/>
           </p:cNvSpPr>
@@ -3387,100 +3294,128 @@
         </p:nvSpPr>
         <p:spPr/>
         <p:txBody>
-          <a:bodyPr vert="horz" lIns="91440" tIns="45720" rIns="91440" bIns="45720" rtlCol="0" anchor="t">
-            <a:normAutofit/>
-          </a:bodyPr>
-          <a:lstStyle/>
-          <a:p>
-            <a:pPr marL="0" indent="0">
-              <a:buNone/>
-            </a:pPr>
-            <a:endParaRPr lang="pl-PL" dirty="0">
-              <a:ea typeface="+mn-lt"/>
-              <a:cs typeface="+mn-lt"/>
-            </a:endParaRPr>
-          </a:p>
-          <a:p>
-            <a:pPr marL="0" indent="0">
-              <a:buNone/>
-            </a:pPr>
-            <a:r>
-              <a:rPr lang="pl-PL" dirty="0">
-                <a:ea typeface="+mn-lt"/>
-                <a:cs typeface="+mn-lt"/>
-              </a:rPr>
-              <a:t>ABACABADABACABA</a:t>
-            </a:r>
-            <a:endParaRPr lang="pl-PL" dirty="0"/>
-          </a:p>
-          <a:p>
-            <a:pPr marL="0" indent="0">
-              <a:buNone/>
-            </a:pPr>
-            <a:r>
-              <a:rPr lang="pl-PL" dirty="0"/>
-              <a:t>^^^</a:t>
-            </a:r>
-          </a:p>
-          <a:p>
-            <a:pPr marL="0" indent="0">
-              <a:buNone/>
-            </a:pPr>
-            <a:r>
-              <a:rPr lang="pl-PL" dirty="0"/>
-              <a:t>ABA</a:t>
-            </a:r>
-          </a:p>
-          <a:p>
-            <a:pPr>
-              <a:buFont typeface="Arial"/>
-              <a:buChar char="•"/>
-            </a:pPr>
-            <a:r>
-              <a:rPr lang="pl-PL" dirty="0">
-                <a:ea typeface="+mn-lt"/>
-                <a:cs typeface="+mn-lt"/>
-              </a:rPr>
-              <a:t>A (pozycja 2 wzorca) == A (pozycja 2 tekstu) -&gt; zgodność</a:t>
-            </a:r>
-            <a:endParaRPr lang="pl-PL" dirty="0"/>
-          </a:p>
-          <a:p>
-            <a:pPr>
-              <a:buFont typeface="Arial"/>
-              <a:buChar char="•"/>
-            </a:pPr>
-            <a:r>
-              <a:rPr lang="pl-PL" dirty="0">
-                <a:ea typeface="+mn-lt"/>
-                <a:cs typeface="+mn-lt"/>
-              </a:rPr>
-              <a:t>B (pozycja 1 wzorca) == B (pozycja 1 tekstu) -&gt; zgodność</a:t>
-            </a:r>
-            <a:endParaRPr lang="pl-PL" dirty="0"/>
-          </a:p>
-          <a:p>
-            <a:pPr>
-              <a:buFont typeface="Arial"/>
-              <a:buChar char="•"/>
-            </a:pPr>
-            <a:r>
-              <a:rPr lang="pl-PL" dirty="0">
-                <a:ea typeface="+mn-lt"/>
-                <a:cs typeface="+mn-lt"/>
-              </a:rPr>
-              <a:t>A (pozycja 0 wzorca) == A (pozycja 0 tekstu) -&gt; zgodność</a:t>
-            </a:r>
-            <a:endParaRPr lang="pl-PL" dirty="0"/>
+          <a:bodyPr/>
+          <a:lstStyle/>
+          <a:p>
+            <a:r>
+              <a:rPr lang="pl-PL" dirty="0" smtClean="0"/>
+              <a:t>Znalezienie otoczki </a:t>
+            </a:r>
+            <a:r>
+              <a:rPr lang="pl-PL" dirty="0" smtClean="0"/>
+              <a:t>wypukłej: O(</a:t>
+            </a:r>
+            <a:r>
+              <a:rPr lang="pl-PL" dirty="0" err="1" smtClean="0"/>
+              <a:t>nh</a:t>
+            </a:r>
+            <a:r>
+              <a:rPr lang="pl-PL" dirty="0" smtClean="0"/>
+              <a:t>), gdzie n to liczba punktów, a h to liczba punktów na otoczce wypukłej</a:t>
+            </a:r>
+            <a:r>
+              <a:rPr lang="pl-PL" dirty="0" smtClean="0"/>
+              <a:t>.</a:t>
+            </a:r>
+          </a:p>
+          <a:p>
+            <a:r>
+              <a:rPr lang="pl-PL" dirty="0" smtClean="0"/>
+              <a:t>Znalezienie </a:t>
+            </a:r>
+            <a:r>
+              <a:rPr lang="pl-PL" dirty="0" err="1" smtClean="0"/>
+              <a:t>nakrótszych</a:t>
+            </a:r>
+            <a:r>
+              <a:rPr lang="pl-PL" dirty="0" smtClean="0"/>
+              <a:t> </a:t>
+            </a:r>
+            <a:r>
+              <a:rPr lang="pl-PL" dirty="0" smtClean="0"/>
+              <a:t>ścieżek: </a:t>
+            </a:r>
+            <a:r>
+              <a:rPr lang="pl-PL" dirty="0" smtClean="0"/>
+              <a:t>O((</a:t>
+            </a:r>
+            <a:r>
+              <a:rPr lang="pl-PL" dirty="0" err="1" smtClean="0"/>
+              <a:t>V+E</a:t>
+            </a:r>
+            <a:r>
+              <a:rPr lang="pl-PL" dirty="0" smtClean="0"/>
+              <a:t>)</a:t>
+            </a:r>
+            <a:r>
+              <a:rPr lang="pl-PL" dirty="0" err="1" smtClean="0"/>
+              <a:t>logV</a:t>
+            </a:r>
+            <a:r>
+              <a:rPr lang="pl-PL" dirty="0" smtClean="0"/>
+              <a:t>), gdzie V to liczba wierzchołków, a E to liczba krawędzi</a:t>
+            </a:r>
+            <a:r>
+              <a:rPr lang="pl-PL" dirty="0" smtClean="0"/>
+              <a:t>.</a:t>
+            </a:r>
+          </a:p>
+          <a:p>
+            <a:r>
+              <a:rPr lang="pl-PL" dirty="0" smtClean="0"/>
+              <a:t>Dobranie płaszczaków w </a:t>
+            </a:r>
+            <a:r>
+              <a:rPr lang="pl-PL" dirty="0" smtClean="0"/>
+              <a:t>pary: </a:t>
+            </a:r>
+            <a:r>
+              <a:rPr lang="pl-PL" dirty="0" smtClean="0"/>
+              <a:t>O(</a:t>
+            </a:r>
+            <a:r>
+              <a:rPr lang="pl-PL" dirty="0" err="1" smtClean="0"/>
+              <a:t>sqrt</a:t>
+            </a:r>
+            <a:r>
+              <a:rPr lang="pl-PL" dirty="0" smtClean="0"/>
+              <a:t>(V)E), gdzie V to liczba wierzchołków w grafie, a E to liczba krawędzi</a:t>
+            </a:r>
+            <a:r>
+              <a:rPr lang="pl-PL" dirty="0" smtClean="0"/>
+              <a:t>.</a:t>
+            </a:r>
+          </a:p>
+          <a:p>
+            <a:r>
+              <a:rPr lang="pl-PL" dirty="0" smtClean="0"/>
+              <a:t>Cięcie </a:t>
+            </a:r>
+            <a:r>
+              <a:rPr lang="pl-PL" dirty="0" smtClean="0"/>
+              <a:t>kijków: </a:t>
+            </a:r>
+            <a:r>
+              <a:rPr lang="pl-PL" dirty="0" smtClean="0"/>
+              <a:t>W najgorszym przypadku (</a:t>
+            </a:r>
+            <a:r>
+              <a:rPr lang="pl-PL" dirty="0" err="1" smtClean="0"/>
+              <a:t>pow</a:t>
+            </a:r>
+            <a:r>
+              <a:rPr lang="pl-PL" dirty="0" smtClean="0"/>
+              <a:t>(n, 2</a:t>
+            </a:r>
+            <a:r>
+              <a:rPr lang="pl-PL" dirty="0" smtClean="0"/>
+              <a:t>)).</a:t>
+            </a:r>
+            <a:endParaRPr lang="pl-PL" dirty="0" smtClean="0"/>
           </a:p>
         </p:txBody>
       </p:sp>
     </p:spTree>
-    <p:extLst>
-      <p:ext uri="{BB962C8B-B14F-4D97-AF65-F5344CB8AC3E}">
-        <p14:creationId xmlns:p14="http://schemas.microsoft.com/office/powerpoint/2010/main" val="2459266642"/>
-      </p:ext>
-    </p:extLst>
   </p:cSld>
   <p:clrMapOvr>
     <a:masterClrMapping/>
@@ -3507,18 +3442,12 @@
       </p:grpSpPr>
       <p:sp>
         <p:nvSpPr>
-          <p:cNvPr id="2" name="Tytuł 1">
-            <a:extLst>
-              <a:ext uri="{FF2B5EF4-FFF2-40B4-BE49-F238E27FC236}">
-                <a16:creationId xmlns:a16="http://schemas.microsoft.com/office/drawing/2014/main" id="{CDA92785-AE5C-7D48-C388-974A088458B9}"/>
-              </a:ext>
-            </a:extLst>
-          </p:cNvPr>
-          <p:cNvSpPr>
-            <a:spLocks noGrp="1"/>
-          </p:cNvSpPr>
-          <p:nvPr>
-            <p:ph type="title"/>
+          <p:cNvPr id="2" name="Tytuł 1"/>
+          <p:cNvSpPr>
+            <a:spLocks noGrp="1"/>
+          </p:cNvSpPr>
+          <p:nvPr>
+            <p:ph type="ctrTitle"/>
           </p:nvPr>
         </p:nvSpPr>
         <p:spPr/>
@@ -3528,122 +3457,34 @@
           <a:p>
             <a:r>
               <a:rPr lang="pl-PL" dirty="0"/>
-              <a:t>Przesuwany na index 3</a:t>
-            </a:r>
-          </a:p>
-        </p:txBody>
-      </p:sp>
-      <p:sp>
-        <p:nvSpPr>
-          <p:cNvPr id="3" name="Symbol zastępczy zawartości 2">
-            <a:extLst>
-              <a:ext uri="{FF2B5EF4-FFF2-40B4-BE49-F238E27FC236}">
-                <a16:creationId xmlns:a16="http://schemas.microsoft.com/office/drawing/2014/main" id="{2A9BEB43-6C42-E7AF-7A01-01C5E56EAB7D}"/>
-              </a:ext>
-            </a:extLst>
-          </p:cNvPr>
-          <p:cNvSpPr>
-            <a:spLocks noGrp="1"/>
-          </p:cNvSpPr>
-          <p:nvPr>
-            <p:ph idx="1"/>
-          </p:nvPr>
-        </p:nvSpPr>
-        <p:spPr/>
-        <p:txBody>
-          <a:bodyPr vert="horz" lIns="91440" tIns="45720" rIns="91440" bIns="45720" rtlCol="0" anchor="t">
-            <a:normAutofit/>
-          </a:bodyPr>
-          <a:lstStyle/>
-          <a:p>
-            <a:pPr marL="0" indent="0">
-              <a:buNone/>
-            </a:pPr>
-            <a:r>
-              <a:rPr lang="pl-PL" dirty="0">
-                <a:ea typeface="+mn-lt"/>
-                <a:cs typeface="+mn-lt"/>
-              </a:rPr>
-              <a:t>ABACABADABACABA</a:t>
-            </a:r>
-            <a:endParaRPr lang="pl-PL" dirty="0"/>
-          </a:p>
-          <a:p>
-            <a:pPr marL="0" indent="0">
-              <a:buNone/>
-            </a:pPr>
-            <a:r>
-              <a:rPr lang="pl-PL" dirty="0"/>
-              <a:t>         ^^^</a:t>
-            </a:r>
-          </a:p>
-          <a:p>
-            <a:pPr>
-              <a:buFont typeface="Calibri" panose="020B0604020202020204" pitchFamily="34" charset="0"/>
-              <a:buChar char="-"/>
-            </a:pPr>
-            <a:r>
-              <a:rPr lang="pl-PL" dirty="0"/>
-              <a:t>- - ABA</a:t>
-            </a:r>
-          </a:p>
-          <a:p>
-            <a:pPr>
-              <a:buFont typeface="Arial"/>
-              <a:buChar char="•"/>
-            </a:pPr>
-            <a:r>
-              <a:rPr lang="pl-PL" dirty="0">
-                <a:ea typeface="+mn-lt"/>
-                <a:cs typeface="+mn-lt"/>
-              </a:rPr>
-              <a:t>A (pozycja 2 wzorca) == B (pozycja 5 tekstu) -&gt; Brak zgodności</a:t>
-            </a:r>
-            <a:endParaRPr lang="pl-PL" dirty="0"/>
-          </a:p>
-          <a:p>
-            <a:pPr marL="0" indent="0">
-              <a:buNone/>
-            </a:pPr>
-            <a:r>
-              <a:rPr lang="pl-PL" dirty="0"/>
-              <a:t>Sprawdzamy tablice </a:t>
-            </a:r>
-            <a:r>
-              <a:rPr lang="pl-PL" dirty="0" err="1"/>
-              <a:t>last_fill</a:t>
-            </a:r>
-            <a:r>
-              <a:rPr lang="pl-PL" dirty="0"/>
-              <a:t> i patrzymy czy występuje nasza literka i tak </a:t>
-            </a:r>
-            <a:r>
-              <a:rPr lang="pl-PL" dirty="0" err="1"/>
-              <a:t>wystepuje</a:t>
-            </a:r>
-            <a:r>
-              <a:rPr lang="pl-PL" dirty="0"/>
-              <a:t> na pozycji nr 1 więc przesuwamy nasz wzorzec o 1</a:t>
-            </a:r>
-          </a:p>
-          <a:p>
-            <a:pPr marL="0" indent="0">
-              <a:buNone/>
-            </a:pPr>
-            <a:endParaRPr lang="pl-PL" dirty="0"/>
-          </a:p>
-          <a:p>
-            <a:pPr marL="0" indent="0">
-              <a:buNone/>
-            </a:pPr>
-            <a:endParaRPr lang="pl-PL" dirty="0"/>
+              <a:t>Opis rozwiązania problemu nr 2</a:t>
+            </a:r>
+          </a:p>
+        </p:txBody>
+      </p:sp>
+      <p:sp>
+        <p:nvSpPr>
+          <p:cNvPr id="3" name="Podtytuł 2"/>
+          <p:cNvSpPr>
+            <a:spLocks noGrp="1"/>
+          </p:cNvSpPr>
+          <p:nvPr>
+            <p:ph type="subTitle" idx="1"/>
+          </p:nvPr>
+        </p:nvSpPr>
+        <p:spPr/>
+        <p:txBody>
+          <a:bodyPr/>
+          <a:lstStyle/>
+          <a:p>
+            <a:endParaRPr lang="pl-PL"/>
           </a:p>
         </p:txBody>
       </p:sp>
     </p:spTree>
     <p:extLst>
       <p:ext uri="{BB962C8B-B14F-4D97-AF65-F5344CB8AC3E}">
-        <p14:creationId xmlns:p14="http://schemas.microsoft.com/office/powerpoint/2010/main" val="2248508179"/>
+        <p14:creationId xmlns:p14="http://schemas.microsoft.com/office/powerpoint/2010/main" xmlns="" val="650317164"/>
       </p:ext>
     </p:extLst>
   </p:cSld>
@@ -3675,7 +3516,7 @@
           <p:cNvPr id="2" name="Tytuł 1">
             <a:extLst>
               <a:ext uri="{FF2B5EF4-FFF2-40B4-BE49-F238E27FC236}">
-                <a16:creationId xmlns:a16="http://schemas.microsoft.com/office/drawing/2014/main" id="{4C96B3A8-B3B5-A330-D0CB-E2FFAF43ED34}"/>
+                <a16:creationId xmlns:a16="http://schemas.microsoft.com/office/drawing/2014/main" xmlns="" id="{AA1B867A-7FA8-A400-CC91-E16EE204A10B}"/>
               </a:ext>
             </a:extLst>
           </p:cNvPr>
@@ -3691,7 +3532,10 @@
           <a:bodyPr/>
           <a:lstStyle/>
           <a:p>
-            <a:endParaRPr lang="pl-PL"/>
+            <a:r>
+              <a:rPr lang="pl-PL" dirty="0"/>
+              <a:t>Złożoności </a:t>
+            </a:r>
           </a:p>
         </p:txBody>
       </p:sp>
@@ -3700,7 +3544,7 @@
           <p:cNvPr id="3" name="Symbol zastępczy zawartości 2">
             <a:extLst>
               <a:ext uri="{FF2B5EF4-FFF2-40B4-BE49-F238E27FC236}">
-                <a16:creationId xmlns:a16="http://schemas.microsoft.com/office/drawing/2014/main" id="{055215FA-CB6B-E39A-5159-44E3C4FE5306}"/>
+                <a16:creationId xmlns:a16="http://schemas.microsoft.com/office/drawing/2014/main" xmlns="" id="{2468E0EF-3E62-FD96-7059-2239AB4C02AE}"/>
               </a:ext>
             </a:extLst>
           </p:cNvPr>
@@ -3718,95 +3562,81 @@
           </a:bodyPr>
           <a:lstStyle/>
           <a:p>
-            <a:pPr marL="0" indent="0">
-              <a:buNone/>
-            </a:pPr>
+            <a:r>
+              <a:rPr lang="pl-PL" dirty="0" err="1"/>
+              <a:t>Podsumowanie</a:t>
+            </a:r>
+          </a:p>
+          <a:p>
+            <a:r>
+              <a:rPr lang="pl-PL" b="1" dirty="0">
+                <a:ea typeface="+mn-lt"/>
+                <a:cs typeface="+mn-lt"/>
+              </a:rPr>
+              <a:t>Algorytm </a:t>
+            </a:r>
+            <a:r>
+              <a:rPr lang="pl-PL" b="1" dirty="0" err="1">
+                <a:ea typeface="+mn-lt"/>
+                <a:cs typeface="+mn-lt"/>
+              </a:rPr>
+              <a:t>Boyera</a:t>
+            </a:r>
+            <a:r>
+              <a:rPr lang="pl-PL" b="1" dirty="0">
+                <a:ea typeface="+mn-lt"/>
+                <a:cs typeface="+mn-lt"/>
+              </a:rPr>
+              <a:t>-Moore'a:</a:t>
+            </a:r>
             <a:r>
               <a:rPr lang="pl-PL" dirty="0">
                 <a:ea typeface="+mn-lt"/>
                 <a:cs typeface="+mn-lt"/>
               </a:rPr>
-              <a:t>ABACABADABACABA</a:t>
-            </a:r>
-          </a:p>
-          <a:p>
-            <a:pPr marL="0" indent="0">
-              <a:buNone/>
-            </a:pPr>
-            <a:r>
-              <a:rPr lang="pl-PL" dirty="0"/>
-              <a:t>             ^^^</a:t>
-            </a:r>
-          </a:p>
-          <a:p>
-            <a:pPr>
-              <a:buFont typeface="Calibri" panose="020B0604020202020204" pitchFamily="34" charset="0"/>
-              <a:buChar char="-"/>
-            </a:pPr>
-            <a:r>
-              <a:rPr lang="pl-PL" dirty="0"/>
-              <a:t>- - -  ABA</a:t>
-            </a:r>
-          </a:p>
-          <a:p>
-            <a:pPr>
-              <a:buFont typeface="Arial,Sans-Serif" panose="020B0604020202020204" pitchFamily="34" charset="0"/>
-              <a:buChar char="•"/>
-            </a:pPr>
+              <a:t> O(n + m) w najgorszym przypadku O(n*m)</a:t>
+            </a:r>
+            <a:endParaRPr lang="pl-PL" dirty="0"/>
+          </a:p>
+          <a:p>
+            <a:r>
+              <a:rPr lang="pl-PL" b="1" dirty="0">
+                <a:ea typeface="+mn-lt"/>
+                <a:cs typeface="+mn-lt"/>
+              </a:rPr>
+              <a:t>Algorytm </a:t>
+            </a:r>
+            <a:r>
+              <a:rPr lang="pl-PL" b="1" dirty="0" err="1">
+                <a:ea typeface="+mn-lt"/>
+                <a:cs typeface="+mn-lt"/>
+              </a:rPr>
+              <a:t>Huffmana</a:t>
+            </a:r>
+            <a:r>
+              <a:rPr lang="pl-PL" b="1" dirty="0">
+                <a:ea typeface="+mn-lt"/>
+                <a:cs typeface="+mn-lt"/>
+              </a:rPr>
+              <a:t>:</a:t>
+            </a:r>
             <a:r>
               <a:rPr lang="pl-PL" dirty="0">
-                <a:latin typeface="Arial"/>
-                <a:cs typeface="Arial"/>
-              </a:rPr>
-              <a:t>A (pozycja 2 wzorca) == A (pozycja 7 tekstu) -&gt; zgodność</a:t>
-            </a:r>
-          </a:p>
-          <a:p>
-            <a:pPr>
-              <a:buFont typeface="Arial,Sans-Serif" panose="020B0604020202020204" pitchFamily="34" charset="0"/>
-              <a:buChar char="•"/>
-            </a:pPr>
-            <a:r>
-              <a:rPr lang="pl-PL" dirty="0">
-                <a:latin typeface="Arial"/>
-                <a:cs typeface="Arial"/>
-              </a:rPr>
-              <a:t>B (pozycja 1 wzorca) == B (pozycja 6 tekstu) -&gt; zgodność</a:t>
-            </a:r>
-          </a:p>
-          <a:p>
-            <a:pPr>
-              <a:buFont typeface="Arial,Sans-Serif" panose="020B0604020202020204" pitchFamily="34" charset="0"/>
-              <a:buChar char="•"/>
-            </a:pPr>
-            <a:r>
-              <a:rPr lang="pl-PL" dirty="0">
-                <a:latin typeface="Arial"/>
-                <a:cs typeface="Arial"/>
-              </a:rPr>
-              <a:t>A (pozycja 0 wzorca) == A (pozycja 5 tekstu) -&gt; zgodność</a:t>
-            </a:r>
+                <a:ea typeface="+mn-lt"/>
+                <a:cs typeface="+mn-lt"/>
+              </a:rPr>
+              <a:t> O(n + k log k), gdzie k to liczba unikalnych znaków (maksymalnie 26)</a:t>
+            </a:r>
+          </a:p>
+          <a:p>
             <a:endParaRPr lang="pl-PL" dirty="0"/>
-          </a:p>
-          <a:p>
-            <a:pPr marL="0" indent="0">
-              <a:buNone/>
-            </a:pPr>
-            <a:r>
-              <a:rPr lang="pl-PL" dirty="0" err="1"/>
-              <a:t>Wystepowanie</a:t>
-            </a:r>
-            <a:r>
-              <a:rPr lang="pl-PL" dirty="0"/>
-              <a:t> wzorca na pozycji 5</a:t>
-            </a:r>
           </a:p>
         </p:txBody>
       </p:sp>
     </p:spTree>
     <p:extLst>
       <p:ext uri="{BB962C8B-B14F-4D97-AF65-F5344CB8AC3E}">
-        <p14:creationId xmlns:p14="http://schemas.microsoft.com/office/powerpoint/2010/main" val="15233736"/>
+        <p14:creationId xmlns:p14="http://schemas.microsoft.com/office/powerpoint/2010/main" xmlns="" val="1060654995"/>
       </p:ext>
     </p:extLst>
   </p:cSld>
@@ -3838,7 +3668,7 @@
           <p:cNvPr id="2" name="Tytuł 1">
             <a:extLst>
               <a:ext uri="{FF2B5EF4-FFF2-40B4-BE49-F238E27FC236}">
-                <a16:creationId xmlns:a16="http://schemas.microsoft.com/office/drawing/2014/main" id="{64D1C5AC-E344-08CA-96D6-1FE03ADEBF6C}"/>
+                <a16:creationId xmlns:a16="http://schemas.microsoft.com/office/drawing/2014/main" xmlns="" id="{835E4B75-BDAE-FC48-56DD-C586A2347E4C}"/>
               </a:ext>
             </a:extLst>
           </p:cNvPr>
@@ -3854,6 +3684,18 @@
           <a:bodyPr/>
           <a:lstStyle/>
           <a:p>
+            <a:r>
+              <a:rPr lang="pl-PL" dirty="0"/>
+              <a:t>Działanie algorytmu </a:t>
+            </a:r>
+            <a:r>
+              <a:rPr lang="pl-PL" dirty="0" err="1"/>
+              <a:t>huffmana</a:t>
+            </a:r>
+            <a:r>
+              <a:rPr lang="pl-PL" dirty="0"/>
+              <a:t> </a:t>
+            </a:r>
             <a:endParaRPr lang="pl-PL"/>
           </a:p>
         </p:txBody>
@@ -3863,7 +3705,7 @@
           <p:cNvPr id="3" name="Symbol zastępczy zawartości 2">
             <a:extLst>
               <a:ext uri="{FF2B5EF4-FFF2-40B4-BE49-F238E27FC236}">
-                <a16:creationId xmlns:a16="http://schemas.microsoft.com/office/drawing/2014/main" id="{AB804463-1DC5-C166-1DC2-4917A39320B6}"/>
+                <a16:creationId xmlns:a16="http://schemas.microsoft.com/office/drawing/2014/main" xmlns="" id="{CF943870-9689-B520-9967-4AD153C76937}"/>
               </a:ext>
             </a:extLst>
           </p:cNvPr>
@@ -3881,153 +3723,47 @@
           </a:bodyPr>
           <a:lstStyle/>
           <a:p>
-            <a:pPr marL="0" indent="0">
-              <a:buNone/>
-            </a:pPr>
+            <a:r>
+              <a:rPr lang="pl-PL" dirty="0"/>
+              <a:t>Wpisujemy słowo POLI </a:t>
+            </a:r>
+            <a:endParaRPr lang="pl-PL"/>
+          </a:p>
+          <a:p>
+            <a:r>
+              <a:rPr lang="pl-PL" dirty="0"/>
+              <a:t>I nasza kolejka priorytetowa wygląda w ten sposób </a:t>
+            </a:r>
+          </a:p>
+          <a:p>
             <a:r>
               <a:rPr lang="pl-PL" dirty="0">
                 <a:ea typeface="+mn-lt"/>
                 <a:cs typeface="+mn-lt"/>
               </a:rPr>
-              <a:t>ABACABADZYACA</a:t>
-            </a:r>
-          </a:p>
-          <a:p>
-            <a:pPr marL="0" indent="0">
-              <a:buNone/>
-            </a:pPr>
+              <a:t>Kolejka priorytetowa (min </a:t>
+            </a:r>
+            <a:r>
+              <a:rPr lang="pl-PL" dirty="0" err="1">
+                <a:ea typeface="+mn-lt"/>
+                <a:cs typeface="+mn-lt"/>
+              </a:rPr>
+              <a:t>heap</a:t>
+            </a:r>
             <a:r>
               <a:rPr lang="pl-PL" dirty="0">
                 <a:ea typeface="+mn-lt"/>
                 <a:cs typeface="+mn-lt"/>
               </a:rPr>
-              <a:t>                      ^^^</a:t>
-            </a:r>
-          </a:p>
-          <a:p>
-            <a:pPr>
-              <a:buFont typeface="Calibri" panose="020B0604020202020204" pitchFamily="34" charset="0"/>
-              <a:buChar char="-"/>
-            </a:pPr>
-            <a:r>
-              <a:rPr lang="pl-PL" dirty="0">
-                <a:ea typeface="+mn-lt"/>
-                <a:cs typeface="+mn-lt"/>
-              </a:rPr>
-              <a:t>- - -  - -  - ABA</a:t>
-            </a:r>
-          </a:p>
-          <a:p>
-            <a:pPr>
-              <a:buFont typeface="Calibri" panose="020B0604020202020204" pitchFamily="34" charset="0"/>
-              <a:buChar char="-"/>
-            </a:pPr>
-            <a:r>
-              <a:rPr lang="pl-PL" dirty="0">
-                <a:latin typeface="Arial"/>
-                <a:ea typeface="+mn-lt"/>
-                <a:cs typeface="Arial"/>
-              </a:rPr>
-              <a:t>A (pozycja 2 wzorca) == Y (pozycja 9 tekstu)</a:t>
-            </a:r>
-            <a:endParaRPr lang="pl-PL" dirty="0">
-              <a:ea typeface="+mn-lt"/>
-              <a:cs typeface="+mn-lt"/>
-            </a:endParaRPr>
-          </a:p>
-          <a:p>
-            <a:pPr marL="0" indent="0">
-              <a:buNone/>
-            </a:pPr>
-            <a:r>
-              <a:rPr lang="pl-PL" dirty="0">
-                <a:latin typeface="Arial"/>
-                <a:ea typeface="+mn-lt"/>
-                <a:cs typeface="Arial"/>
-              </a:rPr>
-              <a:t>Sprawdzamy czy Y </a:t>
-            </a:r>
-            <a:r>
-              <a:rPr lang="pl-PL" dirty="0" err="1">
-                <a:latin typeface="Arial"/>
-                <a:ea typeface="+mn-lt"/>
-                <a:cs typeface="Arial"/>
-              </a:rPr>
-              <a:t>wysepuje</a:t>
-            </a:r>
-            <a:r>
-              <a:rPr lang="pl-PL" dirty="0">
-                <a:latin typeface="Arial"/>
-                <a:ea typeface="+mn-lt"/>
-                <a:cs typeface="Arial"/>
-              </a:rPr>
-              <a:t> w tablicy </a:t>
-            </a:r>
-            <a:r>
-              <a:rPr lang="pl-PL" dirty="0" err="1">
-                <a:latin typeface="Arial"/>
-                <a:ea typeface="+mn-lt"/>
-                <a:cs typeface="Arial"/>
-              </a:rPr>
-              <a:t>last_fill</a:t>
-            </a:r>
-            <a:r>
-              <a:rPr lang="pl-PL" dirty="0">
-                <a:latin typeface="Arial"/>
-                <a:ea typeface="+mn-lt"/>
-                <a:cs typeface="Arial"/>
-              </a:rPr>
-              <a:t> nie </a:t>
-            </a:r>
-            <a:r>
-              <a:rPr lang="pl-PL" dirty="0" err="1">
-                <a:latin typeface="Arial"/>
-                <a:ea typeface="+mn-lt"/>
-                <a:cs typeface="Arial"/>
-              </a:rPr>
-              <a:t>wystepuje</a:t>
-            </a:r>
-            <a:r>
-              <a:rPr lang="pl-PL" dirty="0">
-                <a:latin typeface="Arial"/>
-                <a:ea typeface="+mn-lt"/>
-                <a:cs typeface="Arial"/>
-              </a:rPr>
-              <a:t> to przesuwamy o </a:t>
-            </a:r>
-            <a:r>
-              <a:rPr lang="pl-PL" dirty="0" err="1">
-                <a:latin typeface="Arial"/>
-                <a:ea typeface="+mn-lt"/>
-                <a:cs typeface="Arial"/>
-              </a:rPr>
-              <a:t>długosc</a:t>
-            </a:r>
-            <a:r>
-              <a:rPr lang="pl-PL" dirty="0">
-                <a:latin typeface="Arial"/>
-                <a:ea typeface="+mn-lt"/>
-                <a:cs typeface="Arial"/>
-              </a:rPr>
-              <a:t> wzorca</a:t>
-            </a:r>
-          </a:p>
-          <a:p>
-            <a:pPr>
-              <a:buFont typeface="Calibri" panose="020B0604020202020204" pitchFamily="34" charset="0"/>
-              <a:buChar char="-"/>
-            </a:pPr>
-            <a:endParaRPr lang="pl-PL" dirty="0">
-              <a:ea typeface="+mn-lt"/>
-              <a:cs typeface="+mn-lt"/>
-            </a:endParaRPr>
+              <a:t>): [p: 1, o: 1, l: 1, i: 1]</a:t>
+            </a:r>
           </a:p>
         </p:txBody>
       </p:sp>
     </p:spTree>
     <p:extLst>
       <p:ext uri="{BB962C8B-B14F-4D97-AF65-F5344CB8AC3E}">
-        <p14:creationId xmlns:p14="http://schemas.microsoft.com/office/powerpoint/2010/main" val="2548761888"/>
+        <p14:creationId xmlns:p14="http://schemas.microsoft.com/office/powerpoint/2010/main" xmlns="" val="3202422288"/>
       </p:ext>
     </p:extLst>
   </p:cSld>
@@ -4059,7 +3795,7 @@
           <p:cNvPr id="2" name="Tytuł 1">
             <a:extLst>
               <a:ext uri="{FF2B5EF4-FFF2-40B4-BE49-F238E27FC236}">
-                <a16:creationId xmlns:a16="http://schemas.microsoft.com/office/drawing/2014/main" id="{98C4FC63-8754-E680-9CCD-937BC45B576A}"/>
+                <a16:creationId xmlns:a16="http://schemas.microsoft.com/office/drawing/2014/main" xmlns="" id="{4B74307E-EA62-332C-0A30-EBE464D3AD21}"/>
               </a:ext>
             </a:extLst>
           </p:cNvPr>
@@ -4075,7 +3811,105 @@
           <a:bodyPr/>
           <a:lstStyle/>
           <a:p>
-            <a:endParaRPr lang="pl-PL"/>
+            <a:r>
+              <a:rPr lang="pl-PL" dirty="0"/>
+              <a:t>W jaki sposób tworzę drzewo </a:t>
+            </a:r>
+            <a:r>
+              <a:rPr lang="pl-PL" dirty="0" err="1"/>
+              <a:t>Huffmana</a:t>
+            </a:r>
+            <a:r>
+              <a:rPr lang="pl-PL" dirty="0"/>
+              <a:t>?</a:t>
+            </a:r>
+          </a:p>
+        </p:txBody>
+      </p:sp>
+      <p:pic>
+        <p:nvPicPr>
+          <p:cNvPr id="4" name="Symbol zastępczy zawartości 3" descr="Obraz zawierający diagram, krąg, linia&#10;&#10;Opis wygenerowany automatycznie">
+            <a:extLst>
+              <a:ext uri="{FF2B5EF4-FFF2-40B4-BE49-F238E27FC236}">
+                <a16:creationId xmlns:a16="http://schemas.microsoft.com/office/drawing/2014/main" xmlns="" id="{6826B825-7E4F-9A16-0234-34174304FC81}"/>
+              </a:ext>
+            </a:extLst>
+          </p:cNvPr>
+          <p:cNvPicPr>
+            <a:picLocks noGrp="1" noChangeAspect="1"/>
+          </p:cNvPicPr>
+          <p:nvPr>
+            <p:ph idx="1"/>
+          </p:nvPr>
+        </p:nvPicPr>
+        <p:blipFill>
+          <a:blip r:embed="rId2" cstate="print"/>
+          <a:stretch>
+            <a:fillRect/>
+          </a:stretch>
+        </p:blipFill>
+        <p:spPr>
+          <a:xfrm>
+            <a:off x="3046268" y="1718301"/>
+            <a:ext cx="6614618" cy="4351338"/>
+          </a:xfrm>
+        </p:spPr>
+      </p:pic>
+    </p:spTree>
+    <p:extLst>
+      <p:ext uri="{BB962C8B-B14F-4D97-AF65-F5344CB8AC3E}">
+        <p14:creationId xmlns:p14="http://schemas.microsoft.com/office/powerpoint/2010/main" xmlns="" val="2458428521"/>
+      </p:ext>
+    </p:extLst>
+  </p:cSld>
+  <p:clrMapOvr>
+    <a:masterClrMapping/>
+  </p:clrMapOvr>
+</p:sld>
+</file>
+
+<file path=ppt/slides/slide17.xml><?xml version="1.0" encoding="utf-8"?>
+<p:sld xmlns:a="http://schemas.openxmlformats.org/drawingml/2006/main" xmlns:r="http://schemas.openxmlformats.org/officeDocument/2006/relationships" xmlns:p="http://schemas.openxmlformats.org/presentationml/2006/main">
+  <p:cSld>
+    <p:spTree>
+      <p:nvGrpSpPr>
+        <p:cNvPr id="1" name=""/>
+        <p:cNvGrpSpPr/>
+        <p:nvPr/>
+      </p:nvGrpSpPr>
+      <p:grpSpPr>
+        <a:xfrm>
+          <a:off x="0" y="0"/>
+          <a:ext cx="0" cy="0"/>
+          <a:chOff x="0" y="0"/>
+          <a:chExt cx="0" cy="0"/>
+        </a:xfrm>
+      </p:grpSpPr>
+      <p:sp>
+        <p:nvSpPr>
+          <p:cNvPr id="2" name="Tytuł 1">
+            <a:extLst>
+              <a:ext uri="{FF2B5EF4-FFF2-40B4-BE49-F238E27FC236}">
+                <a16:creationId xmlns:a16="http://schemas.microsoft.com/office/drawing/2014/main" xmlns="" id="{CAF3D9B4-0AB8-4925-D5E1-DDCD6C480AED}"/>
+              </a:ext>
+            </a:extLst>
+          </p:cNvPr>
+          <p:cNvSpPr>
+            <a:spLocks noGrp="1"/>
+          </p:cNvSpPr>
+          <p:nvPr>
+            <p:ph type="title"/>
+          </p:nvPr>
+        </p:nvSpPr>
+        <p:spPr/>
+        <p:txBody>
+          <a:bodyPr/>
+          <a:lstStyle/>
+          <a:p>
+            <a:r>
+              <a:rPr lang="pl-PL" dirty="0"/>
+              <a:t>1.krok</a:t>
+            </a:r>
           </a:p>
         </p:txBody>
       </p:sp>
@@ -4084,7 +3918,7 @@
           <p:cNvPr id="3" name="Symbol zastępczy zawartości 2">
             <a:extLst>
               <a:ext uri="{FF2B5EF4-FFF2-40B4-BE49-F238E27FC236}">
-                <a16:creationId xmlns:a16="http://schemas.microsoft.com/office/drawing/2014/main" id="{9A5FF6F1-6784-F12E-F1C2-671550C96AF2}"/>
+                <a16:creationId xmlns:a16="http://schemas.microsoft.com/office/drawing/2014/main" xmlns="" id="{AE8BDFB4-725B-85C0-EB38-64ADAF4204B5}"/>
               </a:ext>
             </a:extLst>
           </p:cNvPr>
@@ -4102,119 +3936,83 @@
           </a:bodyPr>
           <a:lstStyle/>
           <a:p>
-            <a:pPr marL="0" indent="0">
-              <a:buNone/>
-            </a:pPr>
+            <a:r>
+              <a:rPr lang="pl-PL" dirty="0"/>
+              <a:t>Przeszukujemy naszą kolejkę min </a:t>
+            </a:r>
+            <a:r>
+              <a:rPr lang="pl-PL" dirty="0" err="1"/>
+              <a:t>Heap</a:t>
+            </a:r>
+            <a:r>
+              <a:rPr lang="pl-PL" dirty="0"/>
+              <a:t> i wybieramy te dwa węzły o najmniejszej liczbie </a:t>
+            </a:r>
+            <a:r>
+              <a:rPr lang="pl-PL" dirty="0" err="1"/>
+              <a:t>wystąpien</a:t>
+            </a:r>
+            <a:r>
+              <a:rPr lang="pl-PL" dirty="0"/>
+              <a:t> i tę które mają najmniejszy kod </a:t>
+            </a:r>
+            <a:r>
+              <a:rPr lang="pl-PL" dirty="0" err="1"/>
+              <a:t>ascii</a:t>
+            </a:r>
+            <a:r>
+              <a:rPr lang="pl-PL" dirty="0"/>
+              <a:t> </a:t>
+            </a:r>
             <a:r>
               <a:rPr lang="pl-PL" dirty="0">
                 <a:ea typeface="+mn-lt"/>
                 <a:cs typeface="+mn-lt"/>
               </a:rPr>
-              <a:t>ABACABADZYACA</a:t>
-            </a:r>
-            <a:endParaRPr lang="en-US" dirty="0">
-              <a:ea typeface="+mn-lt"/>
-              <a:cs typeface="+mn-lt"/>
-            </a:endParaRPr>
-          </a:p>
-          <a:p>
-            <a:pPr marL="0" indent="0">
-              <a:buNone/>
-            </a:pPr>
+              <a:t>(min </a:t>
+            </a:r>
+            <a:r>
+              <a:rPr lang="pl-PL" dirty="0" err="1">
+                <a:ea typeface="+mn-lt"/>
+                <a:cs typeface="+mn-lt"/>
+              </a:rPr>
+              <a:t>heap</a:t>
+            </a:r>
             <a:r>
               <a:rPr lang="pl-PL" dirty="0">
-                <a:latin typeface="Aptos"/>
-                <a:cs typeface="Arial"/>
-              </a:rPr>
-              <a:t>                              ^^^</a:t>
-            </a:r>
-          </a:p>
-          <a:p>
-            <a:pPr>
-              <a:buFont typeface="Calibri"/>
-              <a:buChar char="-"/>
-            </a:pPr>
+                <a:ea typeface="+mn-lt"/>
+                <a:cs typeface="+mn-lt"/>
+              </a:rPr>
+              <a:t>): [p: 1, o: 1, l: 1, i: 1] wybieramy i, l i tworzymy nasze pierwsze korzenie i dodajemy im rodzica który jest </a:t>
+            </a:r>
+            <a:r>
+              <a:rPr lang="pl-PL" dirty="0" err="1">
+                <a:ea typeface="+mn-lt"/>
+                <a:cs typeface="+mn-lt"/>
+              </a:rPr>
+              <a:t>lączną</a:t>
+            </a:r>
             <a:r>
               <a:rPr lang="pl-PL" dirty="0">
-                <a:latin typeface="Arial"/>
-                <a:cs typeface="Arial"/>
-              </a:rPr>
-              <a:t>- - - -  - -  - -ABA</a:t>
-            </a:r>
-            <a:endParaRPr lang="pl-PL" dirty="0"/>
-          </a:p>
-          <a:p>
-            <a:pPr>
-              <a:buFont typeface="Arial,Sans-Serif"/>
-              <a:buChar char="•"/>
-            </a:pPr>
+                <a:ea typeface="+mn-lt"/>
+                <a:cs typeface="+mn-lt"/>
+              </a:rPr>
+              <a:t> liczbą wystąpień tych liter w tym przypadku  </a:t>
+            </a:r>
+            <a:r>
+              <a:rPr lang="pl-PL" dirty="0" err="1">
+                <a:ea typeface="+mn-lt"/>
+                <a:cs typeface="+mn-lt"/>
+              </a:rPr>
+              <a:t>twworzymy</a:t>
+            </a:r>
             <a:r>
               <a:rPr lang="pl-PL" dirty="0">
-                <a:latin typeface="Arial"/>
-                <a:cs typeface="Arial"/>
-              </a:rPr>
-              <a:t>A (pozycja 2 wzorca) == A (pozycja 12 tekstu) -&gt; zgodność</a:t>
-            </a:r>
-            <a:endParaRPr lang="en-US">
-              <a:latin typeface="Arial"/>
-              <a:cs typeface="Arial"/>
-            </a:endParaRPr>
-          </a:p>
-          <a:p>
-            <a:pPr>
-              <a:buFont typeface="Arial,Sans-Serif"/>
-              <a:buChar char="•"/>
-            </a:pPr>
-            <a:r>
-              <a:rPr lang="pl-PL" dirty="0">
-                <a:latin typeface="Arial"/>
-                <a:cs typeface="Arial"/>
-              </a:rPr>
-              <a:t>B (pozycja 1 wzorca) == C (pozycja 11 tekstu) -&gt; brak </a:t>
-            </a:r>
-            <a:r>
-              <a:rPr lang="pl-PL" dirty="0" err="1">
-                <a:latin typeface="Arial"/>
-                <a:cs typeface="Arial"/>
-              </a:rPr>
-              <a:t>zgodnosci</a:t>
-            </a:r>
-            <a:endParaRPr lang="en-US">
-              <a:latin typeface="Arial"/>
-              <a:cs typeface="Arial"/>
-            </a:endParaRPr>
-          </a:p>
-          <a:p>
-            <a:pPr>
-              <a:buFont typeface="Arial,Sans-Serif"/>
-              <a:buChar char="•"/>
-            </a:pPr>
-            <a:r>
-              <a:rPr lang="pl-PL" dirty="0">
-                <a:latin typeface="Arial"/>
-                <a:cs typeface="Arial"/>
-              </a:rPr>
-              <a:t>A (pozycja 0 wzorca) == A (pozycja 10 tekstu) -&gt; zgodność</a:t>
-            </a:r>
-            <a:endParaRPr lang="pl-PL" dirty="0"/>
-          </a:p>
-          <a:p>
-            <a:pPr>
-              <a:buFont typeface="Arial,Sans-Serif"/>
-              <a:buChar char="•"/>
-            </a:pPr>
-            <a:r>
-              <a:rPr lang="pl-PL" dirty="0">
-                <a:latin typeface="Arial"/>
-                <a:cs typeface="Arial"/>
-              </a:rPr>
-              <a:t>Koniec.</a:t>
-            </a:r>
-          </a:p>
-          <a:p>
-            <a:pPr marL="0" indent="0">
-              <a:buNone/>
-            </a:pPr>
+                <a:ea typeface="+mn-lt"/>
+                <a:cs typeface="+mn-lt"/>
+              </a:rPr>
+              <a:t> rodzica '2' </a:t>
+            </a:r>
             <a:endParaRPr lang="pl-PL" dirty="0"/>
           </a:p>
         </p:txBody>
@@ -4222,7 +4020,241 @@
     </p:spTree>
     <p:extLst>
       <p:ext uri="{BB962C8B-B14F-4D97-AF65-F5344CB8AC3E}">
-        <p14:creationId xmlns:p14="http://schemas.microsoft.com/office/powerpoint/2010/main" val="2812979796"/>
+        <p14:creationId xmlns:p14="http://schemas.microsoft.com/office/powerpoint/2010/main" xmlns="" val="2661766763"/>
+      </p:ext>
+    </p:extLst>
+  </p:cSld>
+  <p:clrMapOvr>
+    <a:masterClrMapping/>
+  </p:clrMapOvr>
+</p:sld>
+</file>
+
+<file path=ppt/slides/slide18.xml><?xml version="1.0" encoding="utf-8"?>
+<p:sld xmlns:a="http://schemas.openxmlformats.org/drawingml/2006/main" xmlns:r="http://schemas.openxmlformats.org/officeDocument/2006/relationships" xmlns:p="http://schemas.openxmlformats.org/presentationml/2006/main">
+  <p:cSld>
+    <p:spTree>
+      <p:nvGrpSpPr>
+        <p:cNvPr id="1" name=""/>
+        <p:cNvGrpSpPr/>
+        <p:nvPr/>
+      </p:nvGrpSpPr>
+      <p:grpSpPr>
+        <a:xfrm>
+          <a:off x="0" y="0"/>
+          <a:ext cx="0" cy="0"/>
+          <a:chOff x="0" y="0"/>
+          <a:chExt cx="0" cy="0"/>
+        </a:xfrm>
+      </p:grpSpPr>
+      <p:sp>
+        <p:nvSpPr>
+          <p:cNvPr id="2" name="Tytuł 1">
+            <a:extLst>
+              <a:ext uri="{FF2B5EF4-FFF2-40B4-BE49-F238E27FC236}">
+                <a16:creationId xmlns:a16="http://schemas.microsoft.com/office/drawing/2014/main" xmlns="" id="{0B336B1F-4D1C-B2B4-2E41-97C9523581B4}"/>
+              </a:ext>
+            </a:extLst>
+          </p:cNvPr>
+          <p:cNvSpPr>
+            <a:spLocks noGrp="1"/>
+          </p:cNvSpPr>
+          <p:nvPr>
+            <p:ph type="title"/>
+          </p:nvPr>
+        </p:nvSpPr>
+        <p:spPr/>
+        <p:txBody>
+          <a:bodyPr/>
+          <a:lstStyle/>
+          <a:p>
+            <a:endParaRPr lang="pl-PL" dirty="0"/>
+          </a:p>
+        </p:txBody>
+      </p:sp>
+      <p:pic>
+        <p:nvPicPr>
+          <p:cNvPr id="4" name="Symbol zastępczy zawartości 3" descr="Obraz zawierający krąg, diagram, linia&#10;&#10;Opis wygenerowany automatycznie">
+            <a:extLst>
+              <a:ext uri="{FF2B5EF4-FFF2-40B4-BE49-F238E27FC236}">
+                <a16:creationId xmlns:a16="http://schemas.microsoft.com/office/drawing/2014/main" xmlns="" id="{4D8ACF63-5B84-C101-9548-8E1D51F7F260}"/>
+              </a:ext>
+            </a:extLst>
+          </p:cNvPr>
+          <p:cNvPicPr>
+            <a:picLocks noGrp="1" noChangeAspect="1"/>
+          </p:cNvPicPr>
+          <p:nvPr>
+            <p:ph idx="1"/>
+          </p:nvPr>
+        </p:nvPicPr>
+        <p:blipFill>
+          <a:blip r:embed="rId2" cstate="print"/>
+          <a:stretch>
+            <a:fillRect/>
+          </a:stretch>
+        </p:blipFill>
+        <p:spPr>
+          <a:xfrm>
+            <a:off x="4238625" y="2125875"/>
+            <a:ext cx="3714750" cy="3514725"/>
+          </a:xfrm>
+        </p:spPr>
+      </p:pic>
+    </p:spTree>
+    <p:extLst>
+      <p:ext uri="{BB962C8B-B14F-4D97-AF65-F5344CB8AC3E}">
+        <p14:creationId xmlns:p14="http://schemas.microsoft.com/office/powerpoint/2010/main" xmlns="" val="210312898"/>
+      </p:ext>
+    </p:extLst>
+  </p:cSld>
+  <p:clrMapOvr>
+    <a:masterClrMapping/>
+  </p:clrMapOvr>
+</p:sld>
+</file>
+
+<file path=ppt/slides/slide19.xml><?xml version="1.0" encoding="utf-8"?>
+<p:sld xmlns:a="http://schemas.openxmlformats.org/drawingml/2006/main" xmlns:r="http://schemas.openxmlformats.org/officeDocument/2006/relationships" xmlns:p="http://schemas.openxmlformats.org/presentationml/2006/main">
+  <p:cSld>
+    <p:spTree>
+      <p:nvGrpSpPr>
+        <p:cNvPr id="1" name=""/>
+        <p:cNvGrpSpPr/>
+        <p:nvPr/>
+      </p:nvGrpSpPr>
+      <p:grpSpPr>
+        <a:xfrm>
+          <a:off x="0" y="0"/>
+          <a:ext cx="0" cy="0"/>
+          <a:chOff x="0" y="0"/>
+          <a:chExt cx="0" cy="0"/>
+        </a:xfrm>
+      </p:grpSpPr>
+      <p:sp>
+        <p:nvSpPr>
+          <p:cNvPr id="2" name="Tytuł 1">
+            <a:extLst>
+              <a:ext uri="{FF2B5EF4-FFF2-40B4-BE49-F238E27FC236}">
+                <a16:creationId xmlns:a16="http://schemas.microsoft.com/office/drawing/2014/main" xmlns="" id="{9DA80000-1F05-3EEE-C0DB-6D8169FB1192}"/>
+              </a:ext>
+            </a:extLst>
+          </p:cNvPr>
+          <p:cNvSpPr>
+            <a:spLocks noGrp="1"/>
+          </p:cNvSpPr>
+          <p:nvPr>
+            <p:ph type="title"/>
+          </p:nvPr>
+        </p:nvSpPr>
+        <p:spPr/>
+        <p:txBody>
+          <a:bodyPr/>
+          <a:lstStyle/>
+          <a:p>
+            <a:r>
+              <a:rPr lang="pl-PL" dirty="0"/>
+              <a:t>Dalsze kroki...</a:t>
+            </a:r>
+          </a:p>
+        </p:txBody>
+      </p:sp>
+      <p:sp>
+        <p:nvSpPr>
+          <p:cNvPr id="3" name="Symbol zastępczy zawartości 2">
+            <a:extLst>
+              <a:ext uri="{FF2B5EF4-FFF2-40B4-BE49-F238E27FC236}">
+                <a16:creationId xmlns:a16="http://schemas.microsoft.com/office/drawing/2014/main" xmlns="" id="{46C959C1-1B77-13DE-2458-CD1ABC3EBAEA}"/>
+              </a:ext>
+            </a:extLst>
+          </p:cNvPr>
+          <p:cNvSpPr>
+            <a:spLocks noGrp="1"/>
+          </p:cNvSpPr>
+          <p:nvPr>
+            <p:ph idx="1"/>
+          </p:nvPr>
+        </p:nvSpPr>
+        <p:spPr/>
+        <p:txBody>
+          <a:bodyPr vert="horz" lIns="91440" tIns="45720" rIns="91440" bIns="45720" rtlCol="0" anchor="t">
+            <a:normAutofit/>
+          </a:bodyPr>
+          <a:lstStyle/>
+          <a:p>
+            <a:r>
+              <a:rPr lang="pl-PL" dirty="0">
+                <a:ea typeface="+mn-lt"/>
+                <a:cs typeface="+mn-lt"/>
+              </a:rPr>
+              <a:t>Nasza kolejka </a:t>
+            </a:r>
+            <a:r>
+              <a:rPr lang="pl-PL" dirty="0" err="1">
+                <a:ea typeface="+mn-lt"/>
+                <a:cs typeface="+mn-lt"/>
+              </a:rPr>
+              <a:t>wyglada</a:t>
+            </a:r>
+            <a:r>
+              <a:rPr lang="pl-PL" dirty="0">
+                <a:ea typeface="+mn-lt"/>
+                <a:cs typeface="+mn-lt"/>
+              </a:rPr>
+              <a:t> tak (min </a:t>
+            </a:r>
+            <a:r>
+              <a:rPr lang="pl-PL" dirty="0" err="1">
+                <a:ea typeface="+mn-lt"/>
+                <a:cs typeface="+mn-lt"/>
+              </a:rPr>
+              <a:t>heap</a:t>
+            </a:r>
+            <a:r>
+              <a:rPr lang="pl-PL" dirty="0">
+                <a:ea typeface="+mn-lt"/>
+                <a:cs typeface="+mn-lt"/>
+              </a:rPr>
+              <a:t>): [p: 1, o: 1,*: 2] wiec wyciągamy 'p' oraz 'o' analogicznie tworzymy nasze drugie korzenie </a:t>
+            </a:r>
+            <a:endParaRPr lang="pl-PL" dirty="0"/>
+          </a:p>
+        </p:txBody>
+      </p:sp>
+      <p:pic>
+        <p:nvPicPr>
+          <p:cNvPr id="5" name="Obraz 4" descr="Obraz zawierający krąg, diagram, linia&#10;&#10;Opis wygenerowany automatycznie">
+            <a:extLst>
+              <a:ext uri="{FF2B5EF4-FFF2-40B4-BE49-F238E27FC236}">
+                <a16:creationId xmlns:a16="http://schemas.microsoft.com/office/drawing/2014/main" xmlns="" id="{9FD0521F-0586-D8B4-BD66-E297E6C31AB2}"/>
+              </a:ext>
+            </a:extLst>
+          </p:cNvPr>
+          <p:cNvPicPr>
+            <a:picLocks noChangeAspect="1"/>
+          </p:cNvPicPr>
+          <p:nvPr/>
+        </p:nvPicPr>
+        <p:blipFill>
+          <a:blip r:embed="rId2" cstate="print"/>
+          <a:stretch>
+            <a:fillRect/>
+          </a:stretch>
+        </p:blipFill>
+        <p:spPr>
+          <a:xfrm>
+            <a:off x="3728903" y="2852201"/>
+            <a:ext cx="4562475" cy="3514725"/>
+          </a:xfrm>
+          <a:prstGeom prst="rect">
+            <a:avLst/>
+          </a:prstGeom>
+        </p:spPr>
+      </p:pic>
+    </p:spTree>
+    <p:extLst>
+      <p:ext uri="{BB962C8B-B14F-4D97-AF65-F5344CB8AC3E}">
+        <p14:creationId xmlns:p14="http://schemas.microsoft.com/office/powerpoint/2010/main" xmlns="" val="993114220"/>
       </p:ext>
     </p:extLst>
   </p:cSld>
@@ -4251,10 +4283,99 @@
       </p:grpSpPr>
       <p:sp>
         <p:nvSpPr>
+          <p:cNvPr id="2" name="Tytuł 1"/>
+          <p:cNvSpPr>
+            <a:spLocks noGrp="1"/>
+          </p:cNvSpPr>
+          <p:nvPr>
+            <p:ph type="title"/>
+          </p:nvPr>
+        </p:nvSpPr>
+        <p:spPr/>
+        <p:txBody>
+          <a:bodyPr/>
+          <a:lstStyle/>
+          <a:p>
+            <a:endParaRPr lang="pl-PL"/>
+          </a:p>
+        </p:txBody>
+      </p:sp>
+      <p:sp>
+        <p:nvSpPr>
+          <p:cNvPr id="3" name="Symbol zastępczy zawartości 2"/>
+          <p:cNvSpPr>
+            <a:spLocks noGrp="1"/>
+          </p:cNvSpPr>
+          <p:nvPr>
+            <p:ph idx="1"/>
+          </p:nvPr>
+        </p:nvSpPr>
+        <p:spPr/>
+        <p:txBody>
+          <a:bodyPr/>
+          <a:lstStyle/>
+          <a:p>
+            <a:endParaRPr lang="pl-PL"/>
+          </a:p>
+        </p:txBody>
+      </p:sp>
+      <p:pic>
+        <p:nvPicPr>
+          <p:cNvPr id="1026" name="Picture 2" descr="C:\Users\HP\Desktop\Płaszczaki\plot po kolei\1.png"/>
+          <p:cNvPicPr>
+            <a:picLocks noChangeAspect="1" noChangeArrowheads="1"/>
+          </p:cNvPicPr>
+          <p:nvPr/>
+        </p:nvPicPr>
+        <p:blipFill>
+          <a:blip r:embed="rId2" cstate="print"/>
+          <a:srcRect/>
+          <a:stretch>
+            <a:fillRect/>
+          </a:stretch>
+        </p:blipFill>
+        <p:spPr bwMode="auto">
+          <a:xfrm>
+            <a:off x="457200" y="192505"/>
+            <a:ext cx="11231563" cy="6335713"/>
+          </a:xfrm>
+          <a:prstGeom prst="rect">
+            <a:avLst/>
+          </a:prstGeom>
+          <a:noFill/>
+        </p:spPr>
+      </p:pic>
+    </p:spTree>
+  </p:cSld>
+  <p:clrMapOvr>
+    <a:masterClrMapping/>
+  </p:clrMapOvr>
+</p:sld>
+</file>
+
+<file path=ppt/slides/slide20.xml><?xml version="1.0" encoding="utf-8"?>
+<p:sld xmlns:a="http://schemas.openxmlformats.org/drawingml/2006/main" xmlns:r="http://schemas.openxmlformats.org/officeDocument/2006/relationships" xmlns:p="http://schemas.openxmlformats.org/presentationml/2006/main">
+  <p:cSld>
+    <p:spTree>
+      <p:nvGrpSpPr>
+        <p:cNvPr id="1" name=""/>
+        <p:cNvGrpSpPr/>
+        <p:nvPr/>
+      </p:nvGrpSpPr>
+      <p:grpSpPr>
+        <a:xfrm>
+          <a:off x="0" y="0"/>
+          <a:ext cx="0" cy="0"/>
+          <a:chOff x="0" y="0"/>
+          <a:chExt cx="0" cy="0"/>
+        </a:xfrm>
+      </p:grpSpPr>
+      <p:sp>
+        <p:nvSpPr>
           <p:cNvPr id="2" name="Tytuł 1">
             <a:extLst>
               <a:ext uri="{FF2B5EF4-FFF2-40B4-BE49-F238E27FC236}">
-                <a16:creationId xmlns:a16="http://schemas.microsoft.com/office/drawing/2014/main" id="{AA1B867A-7FA8-A400-CC91-E16EE204A10B}"/>
+                <a16:creationId xmlns:a16="http://schemas.microsoft.com/office/drawing/2014/main" xmlns="" id="{752C3573-E1D8-7EDC-DE6C-41F4F9694167}"/>
               </a:ext>
             </a:extLst>
           </p:cNvPr>
@@ -4270,10 +4391,7 @@
           <a:bodyPr/>
           <a:lstStyle/>
           <a:p>
-            <a:r>
-              <a:rPr lang="pl-PL" dirty="0"/>
-              <a:t>Złożoności </a:t>
-            </a:r>
+            <a:endParaRPr lang="pl-PL"/>
           </a:p>
         </p:txBody>
       </p:sp>
@@ -4282,7 +4400,7 @@
           <p:cNvPr id="3" name="Symbol zastępczy zawartości 2">
             <a:extLst>
               <a:ext uri="{FF2B5EF4-FFF2-40B4-BE49-F238E27FC236}">
-                <a16:creationId xmlns:a16="http://schemas.microsoft.com/office/drawing/2014/main" id="{2468E0EF-3E62-FD96-7059-2239AB4C02AE}"/>
+                <a16:creationId xmlns:a16="http://schemas.microsoft.com/office/drawing/2014/main" xmlns="" id="{8630D552-1B7F-B146-074D-C39AB0D961A9}"/>
               </a:ext>
             </a:extLst>
           </p:cNvPr>
@@ -4301,70 +4419,424 @@
           <a:lstStyle/>
           <a:p>
             <a:r>
+              <a:rPr lang="pl-PL" dirty="0">
+                <a:ea typeface="+mn-lt"/>
+                <a:cs typeface="+mn-lt"/>
+              </a:rPr>
+              <a:t>(min </a:t>
+            </a:r>
+            <a:r>
+              <a:rPr lang="pl-PL" dirty="0" err="1">
+                <a:ea typeface="+mn-lt"/>
+                <a:cs typeface="+mn-lt"/>
+              </a:rPr>
+              <a:t>heap</a:t>
+            </a:r>
+            <a:r>
+              <a:rPr lang="pl-PL" dirty="0">
+                <a:ea typeface="+mn-lt"/>
+                <a:cs typeface="+mn-lt"/>
+              </a:rPr>
+              <a:t>): [*: 2, *: 2] wyjmujemy naszych </a:t>
+            </a:r>
+            <a:r>
+              <a:rPr lang="pl-PL" dirty="0" err="1">
+                <a:ea typeface="+mn-lt"/>
+                <a:cs typeface="+mn-lt"/>
+              </a:rPr>
+              <a:t>rodzicow</a:t>
+            </a:r>
+            <a:r>
+              <a:rPr lang="pl-PL" dirty="0">
+                <a:ea typeface="+mn-lt"/>
+                <a:cs typeface="+mn-lt"/>
+              </a:rPr>
+              <a:t> i powstaje całe drzewo </a:t>
+            </a:r>
+            <a:endParaRPr lang="pl-PL" dirty="0"/>
+          </a:p>
+        </p:txBody>
+      </p:sp>
+    </p:spTree>
+    <p:extLst>
+      <p:ext uri="{BB962C8B-B14F-4D97-AF65-F5344CB8AC3E}">
+        <p14:creationId xmlns:p14="http://schemas.microsoft.com/office/powerpoint/2010/main" xmlns="" val="1174129960"/>
+      </p:ext>
+    </p:extLst>
+  </p:cSld>
+  <p:clrMapOvr>
+    <a:masterClrMapping/>
+  </p:clrMapOvr>
+</p:sld>
+</file>
+
+<file path=ppt/slides/slide21.xml><?xml version="1.0" encoding="utf-8"?>
+<p:sld xmlns:a="http://schemas.openxmlformats.org/drawingml/2006/main" xmlns:r="http://schemas.openxmlformats.org/officeDocument/2006/relationships" xmlns:p="http://schemas.openxmlformats.org/presentationml/2006/main">
+  <p:cSld>
+    <p:spTree>
+      <p:nvGrpSpPr>
+        <p:cNvPr id="1" name=""/>
+        <p:cNvGrpSpPr/>
+        <p:nvPr/>
+      </p:nvGrpSpPr>
+      <p:grpSpPr>
+        <a:xfrm>
+          <a:off x="0" y="0"/>
+          <a:ext cx="0" cy="0"/>
+          <a:chOff x="0" y="0"/>
+          <a:chExt cx="0" cy="0"/>
+        </a:xfrm>
+      </p:grpSpPr>
+      <p:sp>
+        <p:nvSpPr>
+          <p:cNvPr id="2" name="Tytuł 1">
+            <a:extLst>
+              <a:ext uri="{FF2B5EF4-FFF2-40B4-BE49-F238E27FC236}">
+                <a16:creationId xmlns:a16="http://schemas.microsoft.com/office/drawing/2014/main" xmlns="" id="{31CAE0CE-EAD9-E23E-1696-9B70E44E3F4C}"/>
+              </a:ext>
+            </a:extLst>
+          </p:cNvPr>
+          <p:cNvSpPr>
+            <a:spLocks noGrp="1"/>
+          </p:cNvSpPr>
+          <p:nvPr>
+            <p:ph type="title"/>
+          </p:nvPr>
+        </p:nvSpPr>
+        <p:spPr/>
+        <p:txBody>
+          <a:bodyPr/>
+          <a:lstStyle/>
+          <a:p>
+            <a:endParaRPr lang="pl-PL"/>
+          </a:p>
+        </p:txBody>
+      </p:sp>
+      <p:pic>
+        <p:nvPicPr>
+          <p:cNvPr id="4" name="Symbol zastępczy zawartości 3" descr="Obraz zawierający diagram, krąg&#10;&#10;Opis wygenerowany automatycznie">
+            <a:extLst>
+              <a:ext uri="{FF2B5EF4-FFF2-40B4-BE49-F238E27FC236}">
+                <a16:creationId xmlns:a16="http://schemas.microsoft.com/office/drawing/2014/main" xmlns="" id="{B96F559E-B5D0-426D-36F5-04693BEC8C8D}"/>
+              </a:ext>
+            </a:extLst>
+          </p:cNvPr>
+          <p:cNvPicPr>
+            <a:picLocks noGrp="1" noChangeAspect="1"/>
+          </p:cNvPicPr>
+          <p:nvPr>
+            <p:ph idx="1"/>
+          </p:nvPr>
+        </p:nvPicPr>
+        <p:blipFill>
+          <a:blip r:embed="rId2" cstate="print"/>
+          <a:stretch>
+            <a:fillRect/>
+          </a:stretch>
+        </p:blipFill>
+        <p:spPr>
+          <a:xfrm>
+            <a:off x="2654968" y="1825625"/>
+            <a:ext cx="6882064" cy="4351338"/>
+          </a:xfrm>
+        </p:spPr>
+      </p:pic>
+    </p:spTree>
+    <p:extLst>
+      <p:ext uri="{BB962C8B-B14F-4D97-AF65-F5344CB8AC3E}">
+        <p14:creationId xmlns:p14="http://schemas.microsoft.com/office/powerpoint/2010/main" xmlns="" val="88838833"/>
+      </p:ext>
+    </p:extLst>
+  </p:cSld>
+  <p:clrMapOvr>
+    <a:masterClrMapping/>
+  </p:clrMapOvr>
+</p:sld>
+</file>
+
+<file path=ppt/slides/slide22.xml><?xml version="1.0" encoding="utf-8"?>
+<p:sld xmlns:a="http://schemas.openxmlformats.org/drawingml/2006/main" xmlns:r="http://schemas.openxmlformats.org/officeDocument/2006/relationships" xmlns:p="http://schemas.openxmlformats.org/presentationml/2006/main">
+  <p:cSld>
+    <p:spTree>
+      <p:nvGrpSpPr>
+        <p:cNvPr id="1" name=""/>
+        <p:cNvGrpSpPr/>
+        <p:nvPr/>
+      </p:nvGrpSpPr>
+      <p:grpSpPr>
+        <a:xfrm>
+          <a:off x="0" y="0"/>
+          <a:ext cx="0" cy="0"/>
+          <a:chOff x="0" y="0"/>
+          <a:chExt cx="0" cy="0"/>
+        </a:xfrm>
+      </p:grpSpPr>
+      <p:sp>
+        <p:nvSpPr>
+          <p:cNvPr id="2" name="Tytuł 1">
+            <a:extLst>
+              <a:ext uri="{FF2B5EF4-FFF2-40B4-BE49-F238E27FC236}">
+                <a16:creationId xmlns:a16="http://schemas.microsoft.com/office/drawing/2014/main" xmlns="" id="{F304D8BE-DC88-F4FF-2F20-1DDA58C53B10}"/>
+              </a:ext>
+            </a:extLst>
+          </p:cNvPr>
+          <p:cNvSpPr>
+            <a:spLocks noGrp="1"/>
+          </p:cNvSpPr>
+          <p:nvPr>
+            <p:ph type="title"/>
+          </p:nvPr>
+        </p:nvSpPr>
+        <p:spPr/>
+        <p:txBody>
+          <a:bodyPr/>
+          <a:lstStyle/>
+          <a:p>
+            <a:r>
+              <a:rPr lang="pl-PL" dirty="0"/>
+              <a:t>Działanie algorytmu </a:t>
+            </a:r>
+            <a:r>
               <a:rPr lang="pl-PL" dirty="0" err="1"/>
-              <a:t>Podsumowanie</a:t>
-            </a:r>
-          </a:p>
-          <a:p>
+              <a:t>Boyera-moora</a:t>
+            </a:r>
+          </a:p>
+        </p:txBody>
+      </p:sp>
+      <p:sp>
+        <p:nvSpPr>
+          <p:cNvPr id="3" name="Symbol zastępczy zawartości 2">
+            <a:extLst>
+              <a:ext uri="{FF2B5EF4-FFF2-40B4-BE49-F238E27FC236}">
+                <a16:creationId xmlns:a16="http://schemas.microsoft.com/office/drawing/2014/main" xmlns="" id="{53132E3A-730A-3753-E297-BA493FA9A5B9}"/>
+              </a:ext>
+            </a:extLst>
+          </p:cNvPr>
+          <p:cNvSpPr>
+            <a:spLocks noGrp="1"/>
+          </p:cNvSpPr>
+          <p:nvPr>
+            <p:ph idx="1"/>
+          </p:nvPr>
+        </p:nvSpPr>
+        <p:spPr/>
+        <p:txBody>
+          <a:bodyPr vert="horz" lIns="91440" tIns="45720" rIns="91440" bIns="45720" rtlCol="0" anchor="t">
+            <a:normAutofit/>
+          </a:bodyPr>
+          <a:lstStyle/>
+          <a:p>
+            <a:r>
+              <a:rPr lang="pl-PL" dirty="0"/>
+              <a:t>Przykład</a:t>
+            </a:r>
+          </a:p>
+          <a:p>
+            <a:pPr marL="0" indent="0">
+              <a:buNone/>
+            </a:pPr>
+            <a:r>
+              <a:rPr lang="pl-PL" dirty="0">
+                <a:ea typeface="+mn-lt"/>
+                <a:cs typeface="+mn-lt"/>
+              </a:rPr>
+              <a:t>Mamy tekst (opowieść): ABACABADABACABA i wzorzec, który chcemy znaleźć: ABA</a:t>
+            </a:r>
+            <a:endParaRPr lang="pl-PL" dirty="0"/>
+          </a:p>
+          <a:p>
+            <a:endParaRPr lang="pl-PL" dirty="0"/>
+          </a:p>
+        </p:txBody>
+      </p:sp>
+    </p:spTree>
+    <p:extLst>
+      <p:ext uri="{BB962C8B-B14F-4D97-AF65-F5344CB8AC3E}">
+        <p14:creationId xmlns:p14="http://schemas.microsoft.com/office/powerpoint/2010/main" xmlns="" val="2312225875"/>
+      </p:ext>
+    </p:extLst>
+  </p:cSld>
+  <p:clrMapOvr>
+    <a:masterClrMapping/>
+  </p:clrMapOvr>
+</p:sld>
+</file>
+
+<file path=ppt/slides/slide23.xml><?xml version="1.0" encoding="utf-8"?>
+<p:sld xmlns:a="http://schemas.openxmlformats.org/drawingml/2006/main" xmlns:r="http://schemas.openxmlformats.org/officeDocument/2006/relationships" xmlns:p="http://schemas.openxmlformats.org/presentationml/2006/main">
+  <p:cSld>
+    <p:spTree>
+      <p:nvGrpSpPr>
+        <p:cNvPr id="1" name=""/>
+        <p:cNvGrpSpPr/>
+        <p:nvPr/>
+      </p:nvGrpSpPr>
+      <p:grpSpPr>
+        <a:xfrm>
+          <a:off x="0" y="0"/>
+          <a:ext cx="0" cy="0"/>
+          <a:chOff x="0" y="0"/>
+          <a:chExt cx="0" cy="0"/>
+        </a:xfrm>
+      </p:grpSpPr>
+      <p:sp>
+        <p:nvSpPr>
+          <p:cNvPr id="2" name="Tytuł 1">
+            <a:extLst>
+              <a:ext uri="{FF2B5EF4-FFF2-40B4-BE49-F238E27FC236}">
+                <a16:creationId xmlns:a16="http://schemas.microsoft.com/office/drawing/2014/main" xmlns="" id="{A29696BC-2468-58AE-4004-CA59CF53EB11}"/>
+              </a:ext>
+            </a:extLst>
+          </p:cNvPr>
+          <p:cNvSpPr>
+            <a:spLocks noGrp="1"/>
+          </p:cNvSpPr>
+          <p:nvPr>
+            <p:ph type="title"/>
+          </p:nvPr>
+        </p:nvSpPr>
+        <p:spPr/>
+        <p:txBody>
+          <a:bodyPr/>
+          <a:lstStyle/>
+          <a:p>
+            <a:r>
+              <a:rPr lang="pl-PL" sz="2800" dirty="0">
+                <a:ea typeface="+mj-lt"/>
+                <a:cs typeface="+mj-lt"/>
+              </a:rPr>
+              <a:t>Krok 1: Przygotowanie tablicy przesunięć (</a:t>
+            </a:r>
+            <a:r>
+              <a:rPr lang="pl-PL" sz="2800" dirty="0" err="1">
+                <a:ea typeface="+mj-lt"/>
+                <a:cs typeface="+mj-lt"/>
+              </a:rPr>
+              <a:t>last_fill</a:t>
+            </a:r>
+            <a:r>
+              <a:rPr lang="pl-PL" sz="2800" dirty="0">
+                <a:ea typeface="+mj-lt"/>
+                <a:cs typeface="+mj-lt"/>
+              </a:rPr>
+              <a:t>)</a:t>
+            </a:r>
+            <a:endParaRPr lang="pl-PL" dirty="0"/>
+          </a:p>
+        </p:txBody>
+      </p:sp>
+      <p:sp>
+        <p:nvSpPr>
+          <p:cNvPr id="3" name="Symbol zastępczy zawartości 2">
+            <a:extLst>
+              <a:ext uri="{FF2B5EF4-FFF2-40B4-BE49-F238E27FC236}">
+                <a16:creationId xmlns:a16="http://schemas.microsoft.com/office/drawing/2014/main" xmlns="" id="{CA4866FB-3397-972A-DF3B-4C1945327ABB}"/>
+              </a:ext>
+            </a:extLst>
+          </p:cNvPr>
+          <p:cNvSpPr>
+            <a:spLocks noGrp="1"/>
+          </p:cNvSpPr>
+          <p:nvPr>
+            <p:ph idx="1"/>
+          </p:nvPr>
+        </p:nvSpPr>
+        <p:spPr/>
+        <p:txBody>
+          <a:bodyPr vert="horz" lIns="91440" tIns="45720" rIns="91440" bIns="45720" rtlCol="0" anchor="t">
+            <a:normAutofit/>
+          </a:bodyPr>
+          <a:lstStyle/>
+          <a:p>
+            <a:pPr marL="0" indent="0">
+              <a:buNone/>
+            </a:pPr>
+            <a:r>
+              <a:rPr lang="pl-PL" dirty="0">
+                <a:ea typeface="+mn-lt"/>
+                <a:cs typeface="+mn-lt"/>
+              </a:rPr>
+              <a:t>Najpierw tworzymy tablicę przesunięć dla wzorca ABA:</a:t>
+            </a:r>
+            <a:endParaRPr lang="pl-PL" dirty="0"/>
+          </a:p>
+          <a:p>
+            <a:pPr marL="0" indent="0">
+              <a:buNone/>
+            </a:pPr>
             <a:r>
               <a:rPr lang="pl-PL" b="1" dirty="0">
                 <a:ea typeface="+mn-lt"/>
                 <a:cs typeface="+mn-lt"/>
               </a:rPr>
-              <a:t>Algorytm </a:t>
-            </a:r>
-            <a:r>
-              <a:rPr lang="pl-PL" b="1" dirty="0" err="1">
+              <a:t>litera</a:t>
+            </a:r>
+            <a:r>
+              <a:rPr lang="pl-PL" dirty="0">
                 <a:ea typeface="+mn-lt"/>
                 <a:cs typeface="+mn-lt"/>
               </a:rPr>
-              <a:t>Boyera</a:t>
-            </a:r>
+              <a:t>: tablica zawierająca wszystkie litery alfabetu angielskiego od a do z.</a:t>
+            </a:r>
+            <a:endParaRPr lang="pl-PL" dirty="0"/>
+          </a:p>
+          <a:p>
+            <a:pPr marL="0" indent="0">
+              <a:buNone/>
+            </a:pPr>
             <a:r>
               <a:rPr lang="pl-PL" b="1" dirty="0">
                 <a:ea typeface="+mn-lt"/>
                 <a:cs typeface="+mn-lt"/>
               </a:rPr>
-              <a:t>-Moore'a:</a:t>
+              <a:t>liczba</a:t>
             </a:r>
             <a:r>
               <a:rPr lang="pl-PL" dirty="0">
                 <a:ea typeface="+mn-lt"/>
                 <a:cs typeface="+mn-lt"/>
               </a:rPr>
-              <a:t> O(n + m) w najgorszym przypadku O(n*m)</a:t>
+              <a:t>: tablica zawierająca dla każdej litery alfabetu ostatnie wystąpienie tej litery we wzorcu.</a:t>
             </a:r>
             <a:endParaRPr lang="pl-PL" dirty="0"/>
           </a:p>
           <a:p>
-            <a:r>
-              <a:rPr lang="pl-PL" b="1" dirty="0">
-                <a:ea typeface="+mn-lt"/>
-                <a:cs typeface="+mn-lt"/>
-              </a:rPr>
-              <a:t>Algorytm </a:t>
-            </a:r>
-            <a:r>
-              <a:rPr lang="pl-PL" b="1" dirty="0" err="1">
-                <a:ea typeface="+mn-lt"/>
-                <a:cs typeface="+mn-lt"/>
-              </a:rPr>
-              <a:t>Huffmana</a:t>
-            </a:r>
-            <a:r>
-              <a:rPr lang="pl-PL" b="1" dirty="0">
-                <a:ea typeface="+mn-lt"/>
-                <a:cs typeface="+mn-lt"/>
-              </a:rPr>
-              <a:t>:</a:t>
-            </a:r>
+            <a:pPr marL="0" indent="0">
+              <a:buNone/>
+            </a:pPr>
             <a:r>
               <a:rPr lang="pl-PL" dirty="0">
                 <a:ea typeface="+mn-lt"/>
                 <a:cs typeface="+mn-lt"/>
               </a:rPr>
-              <a:t> O(n + k log k), gdzie k to liczba unikalnych znaków (maksymalnie 26)</a:t>
-            </a:r>
+              <a:t>Dla wzorca ABA, tablica przesunięć będzie wyglądać następująco:</a:t>
+            </a:r>
+            <a:endParaRPr lang="pl-PL" dirty="0"/>
+          </a:p>
+          <a:p>
+            <a:pPr marL="0" indent="0">
+              <a:buNone/>
+            </a:pPr>
+            <a:r>
+              <a:rPr lang="pl-PL" dirty="0">
+                <a:ea typeface="+mn-lt"/>
+                <a:cs typeface="+mn-lt"/>
+              </a:rPr>
+              <a:t>litera: [a, b, c, d, ..., z]</a:t>
+            </a:r>
+          </a:p>
+          <a:p>
+            <a:pPr marL="0" indent="0">
+              <a:buNone/>
+            </a:pPr>
+            <a:r>
+              <a:rPr lang="pl-PL" dirty="0">
+                <a:ea typeface="+mn-lt"/>
+                <a:cs typeface="+mn-lt"/>
+              </a:rPr>
+              <a:t>liczba: [2, 1, -1, -1, ..., -1]</a:t>
+            </a:r>
+            <a:endParaRPr lang="pl-PL" dirty="0"/>
           </a:p>
           <a:p>
             <a:endParaRPr lang="pl-PL" dirty="0"/>
@@ -4374,7 +4846,912 @@
     </p:spTree>
     <p:extLst>
       <p:ext uri="{BB962C8B-B14F-4D97-AF65-F5344CB8AC3E}">
-        <p14:creationId xmlns:p14="http://schemas.microsoft.com/office/powerpoint/2010/main" val="1060654995"/>
+        <p14:creationId xmlns:p14="http://schemas.microsoft.com/office/powerpoint/2010/main" xmlns="" val="91725213"/>
+      </p:ext>
+    </p:extLst>
+  </p:cSld>
+  <p:clrMapOvr>
+    <a:masterClrMapping/>
+  </p:clrMapOvr>
+</p:sld>
+</file>
+
+<file path=ppt/slides/slide24.xml><?xml version="1.0" encoding="utf-8"?>
+<p:sld xmlns:a="http://schemas.openxmlformats.org/drawingml/2006/main" xmlns:r="http://schemas.openxmlformats.org/officeDocument/2006/relationships" xmlns:p="http://schemas.openxmlformats.org/presentationml/2006/main">
+  <p:cSld>
+    <p:spTree>
+      <p:nvGrpSpPr>
+        <p:cNvPr id="1" name=""/>
+        <p:cNvGrpSpPr/>
+        <p:nvPr/>
+      </p:nvGrpSpPr>
+      <p:grpSpPr>
+        <a:xfrm>
+          <a:off x="0" y="0"/>
+          <a:ext cx="0" cy="0"/>
+          <a:chOff x="0" y="0"/>
+          <a:chExt cx="0" cy="0"/>
+        </a:xfrm>
+      </p:grpSpPr>
+      <p:sp>
+        <p:nvSpPr>
+          <p:cNvPr id="2" name="Tytuł 1">
+            <a:extLst>
+              <a:ext uri="{FF2B5EF4-FFF2-40B4-BE49-F238E27FC236}">
+                <a16:creationId xmlns:a16="http://schemas.microsoft.com/office/drawing/2014/main" xmlns="" id="{59CD738E-0AA9-0467-EFF4-7359A7841FDF}"/>
+              </a:ext>
+            </a:extLst>
+          </p:cNvPr>
+          <p:cNvSpPr>
+            <a:spLocks noGrp="1"/>
+          </p:cNvSpPr>
+          <p:nvPr>
+            <p:ph type="title"/>
+          </p:nvPr>
+        </p:nvSpPr>
+        <p:spPr/>
+        <p:txBody>
+          <a:bodyPr/>
+          <a:lstStyle/>
+          <a:p>
+            <a:endParaRPr lang="pl-PL"/>
+          </a:p>
+        </p:txBody>
+      </p:sp>
+      <p:sp>
+        <p:nvSpPr>
+          <p:cNvPr id="3" name="Symbol zastępczy zawartości 2">
+            <a:extLst>
+              <a:ext uri="{FF2B5EF4-FFF2-40B4-BE49-F238E27FC236}">
+                <a16:creationId xmlns:a16="http://schemas.microsoft.com/office/drawing/2014/main" xmlns="" id="{99BB30CD-EE1E-883C-803A-C93DF1370D34}"/>
+              </a:ext>
+            </a:extLst>
+          </p:cNvPr>
+          <p:cNvSpPr>
+            <a:spLocks noGrp="1"/>
+          </p:cNvSpPr>
+          <p:nvPr>
+            <p:ph idx="1"/>
+          </p:nvPr>
+        </p:nvSpPr>
+        <p:spPr/>
+        <p:txBody>
+          <a:bodyPr vert="horz" lIns="91440" tIns="45720" rIns="91440" bIns="45720" rtlCol="0" anchor="t">
+            <a:normAutofit/>
+          </a:bodyPr>
+          <a:lstStyle/>
+          <a:p>
+            <a:pPr marL="0" indent="0">
+              <a:buNone/>
+            </a:pPr>
+            <a:endParaRPr lang="pl-PL" dirty="0">
+              <a:ea typeface="+mn-lt"/>
+              <a:cs typeface="+mn-lt"/>
+            </a:endParaRPr>
+          </a:p>
+          <a:p>
+            <a:pPr marL="0" indent="0">
+              <a:buNone/>
+            </a:pPr>
+            <a:r>
+              <a:rPr lang="pl-PL" dirty="0">
+                <a:ea typeface="+mn-lt"/>
+                <a:cs typeface="+mn-lt"/>
+              </a:rPr>
+              <a:t>ABACABADABACABA</a:t>
+            </a:r>
+            <a:endParaRPr lang="pl-PL" dirty="0"/>
+          </a:p>
+          <a:p>
+            <a:pPr marL="0" indent="0">
+              <a:buNone/>
+            </a:pPr>
+            <a:r>
+              <a:rPr lang="pl-PL" dirty="0"/>
+              <a:t>^^^</a:t>
+            </a:r>
+          </a:p>
+          <a:p>
+            <a:pPr marL="0" indent="0">
+              <a:buNone/>
+            </a:pPr>
+            <a:r>
+              <a:rPr lang="pl-PL" dirty="0"/>
+              <a:t>ABA</a:t>
+            </a:r>
+          </a:p>
+          <a:p>
+            <a:pPr>
+              <a:buFont typeface="Arial"/>
+              <a:buChar char="•"/>
+            </a:pPr>
+            <a:r>
+              <a:rPr lang="pl-PL" dirty="0">
+                <a:ea typeface="+mn-lt"/>
+                <a:cs typeface="+mn-lt"/>
+              </a:rPr>
+              <a:t>A (pozycja 2 wzorca) == A (pozycja 2 tekstu) -&gt; zgodność</a:t>
+            </a:r>
+            <a:endParaRPr lang="pl-PL" dirty="0"/>
+          </a:p>
+          <a:p>
+            <a:pPr>
+              <a:buFont typeface="Arial"/>
+              <a:buChar char="•"/>
+            </a:pPr>
+            <a:r>
+              <a:rPr lang="pl-PL" dirty="0">
+                <a:ea typeface="+mn-lt"/>
+                <a:cs typeface="+mn-lt"/>
+              </a:rPr>
+              <a:t>B (pozycja 1 wzorca) == B (pozycja 1 tekstu) -&gt; zgodność</a:t>
+            </a:r>
+            <a:endParaRPr lang="pl-PL" dirty="0"/>
+          </a:p>
+          <a:p>
+            <a:pPr>
+              <a:buFont typeface="Arial"/>
+              <a:buChar char="•"/>
+            </a:pPr>
+            <a:r>
+              <a:rPr lang="pl-PL" dirty="0">
+                <a:ea typeface="+mn-lt"/>
+                <a:cs typeface="+mn-lt"/>
+              </a:rPr>
+              <a:t>A (pozycja 0 wzorca) == A (pozycja 0 tekstu) -&gt; zgodność</a:t>
+            </a:r>
+            <a:endParaRPr lang="pl-PL" dirty="0"/>
+          </a:p>
+        </p:txBody>
+      </p:sp>
+    </p:spTree>
+    <p:extLst>
+      <p:ext uri="{BB962C8B-B14F-4D97-AF65-F5344CB8AC3E}">
+        <p14:creationId xmlns:p14="http://schemas.microsoft.com/office/powerpoint/2010/main" xmlns="" val="2459266642"/>
+      </p:ext>
+    </p:extLst>
+  </p:cSld>
+  <p:clrMapOvr>
+    <a:masterClrMapping/>
+  </p:clrMapOvr>
+</p:sld>
+</file>
+
+<file path=ppt/slides/slide25.xml><?xml version="1.0" encoding="utf-8"?>
+<p:sld xmlns:a="http://schemas.openxmlformats.org/drawingml/2006/main" xmlns:r="http://schemas.openxmlformats.org/officeDocument/2006/relationships" xmlns:p="http://schemas.openxmlformats.org/presentationml/2006/main">
+  <p:cSld>
+    <p:spTree>
+      <p:nvGrpSpPr>
+        <p:cNvPr id="1" name=""/>
+        <p:cNvGrpSpPr/>
+        <p:nvPr/>
+      </p:nvGrpSpPr>
+      <p:grpSpPr>
+        <a:xfrm>
+          <a:off x="0" y="0"/>
+          <a:ext cx="0" cy="0"/>
+          <a:chOff x="0" y="0"/>
+          <a:chExt cx="0" cy="0"/>
+        </a:xfrm>
+      </p:grpSpPr>
+      <p:sp>
+        <p:nvSpPr>
+          <p:cNvPr id="2" name="Tytuł 1">
+            <a:extLst>
+              <a:ext uri="{FF2B5EF4-FFF2-40B4-BE49-F238E27FC236}">
+                <a16:creationId xmlns:a16="http://schemas.microsoft.com/office/drawing/2014/main" xmlns="" id="{CDA92785-AE5C-7D48-C388-974A088458B9}"/>
+              </a:ext>
+            </a:extLst>
+          </p:cNvPr>
+          <p:cNvSpPr>
+            <a:spLocks noGrp="1"/>
+          </p:cNvSpPr>
+          <p:nvPr>
+            <p:ph type="title"/>
+          </p:nvPr>
+        </p:nvSpPr>
+        <p:spPr/>
+        <p:txBody>
+          <a:bodyPr/>
+          <a:lstStyle/>
+          <a:p>
+            <a:r>
+              <a:rPr lang="pl-PL" dirty="0"/>
+              <a:t>Przesuwany na index 3</a:t>
+            </a:r>
+          </a:p>
+        </p:txBody>
+      </p:sp>
+      <p:sp>
+        <p:nvSpPr>
+          <p:cNvPr id="3" name="Symbol zastępczy zawartości 2">
+            <a:extLst>
+              <a:ext uri="{FF2B5EF4-FFF2-40B4-BE49-F238E27FC236}">
+                <a16:creationId xmlns:a16="http://schemas.microsoft.com/office/drawing/2014/main" xmlns="" id="{2A9BEB43-6C42-E7AF-7A01-01C5E56EAB7D}"/>
+              </a:ext>
+            </a:extLst>
+          </p:cNvPr>
+          <p:cNvSpPr>
+            <a:spLocks noGrp="1"/>
+          </p:cNvSpPr>
+          <p:nvPr>
+            <p:ph idx="1"/>
+          </p:nvPr>
+        </p:nvSpPr>
+        <p:spPr/>
+        <p:txBody>
+          <a:bodyPr vert="horz" lIns="91440" tIns="45720" rIns="91440" bIns="45720" rtlCol="0" anchor="t">
+            <a:normAutofit/>
+          </a:bodyPr>
+          <a:lstStyle/>
+          <a:p>
+            <a:pPr marL="0" indent="0">
+              <a:buNone/>
+            </a:pPr>
+            <a:r>
+              <a:rPr lang="pl-PL" dirty="0">
+                <a:ea typeface="+mn-lt"/>
+                <a:cs typeface="+mn-lt"/>
+              </a:rPr>
+              <a:t>ABACABADABACABA</a:t>
+            </a:r>
+            <a:endParaRPr lang="pl-PL" dirty="0"/>
+          </a:p>
+          <a:p>
+            <a:pPr marL="0" indent="0">
+              <a:buNone/>
+            </a:pPr>
+            <a:r>
+              <a:rPr lang="pl-PL" dirty="0"/>
+              <a:t>         ^^^</a:t>
+            </a:r>
+          </a:p>
+          <a:p>
+            <a:pPr>
+              <a:buFont typeface="Calibri" panose="020B0604020202020204" pitchFamily="34" charset="0"/>
+              <a:buChar char="-"/>
+            </a:pPr>
+            <a:r>
+              <a:rPr lang="pl-PL" dirty="0"/>
+              <a:t>- - ABA</a:t>
+            </a:r>
+          </a:p>
+          <a:p>
+            <a:pPr>
+              <a:buFont typeface="Arial"/>
+              <a:buChar char="•"/>
+            </a:pPr>
+            <a:r>
+              <a:rPr lang="pl-PL" dirty="0">
+                <a:ea typeface="+mn-lt"/>
+                <a:cs typeface="+mn-lt"/>
+              </a:rPr>
+              <a:t>A (pozycja 2 wzorca) == B (pozycja 5 tekstu) -&gt; Brak zgodności</a:t>
+            </a:r>
+            <a:endParaRPr lang="pl-PL" dirty="0"/>
+          </a:p>
+          <a:p>
+            <a:pPr marL="0" indent="0">
+              <a:buNone/>
+            </a:pPr>
+            <a:r>
+              <a:rPr lang="pl-PL" dirty="0"/>
+              <a:t>Sprawdzamy tablice </a:t>
+            </a:r>
+            <a:r>
+              <a:rPr lang="pl-PL" dirty="0" err="1"/>
+              <a:t>last_fill</a:t>
+            </a:r>
+            <a:r>
+              <a:rPr lang="pl-PL" dirty="0"/>
+              <a:t> i patrzymy czy występuje nasza literka i tak </a:t>
+            </a:r>
+            <a:r>
+              <a:rPr lang="pl-PL" dirty="0" err="1"/>
+              <a:t>wystepuje</a:t>
+            </a:r>
+            <a:r>
+              <a:rPr lang="pl-PL" dirty="0"/>
+              <a:t> na pozycji nr 1 więc przesuwamy nasz wzorzec o 1</a:t>
+            </a:r>
+          </a:p>
+          <a:p>
+            <a:pPr marL="0" indent="0">
+              <a:buNone/>
+            </a:pPr>
+            <a:endParaRPr lang="pl-PL" dirty="0"/>
+          </a:p>
+          <a:p>
+            <a:pPr marL="0" indent="0">
+              <a:buNone/>
+            </a:pPr>
+            <a:endParaRPr lang="pl-PL" dirty="0"/>
+          </a:p>
+        </p:txBody>
+      </p:sp>
+    </p:spTree>
+    <p:extLst>
+      <p:ext uri="{BB962C8B-B14F-4D97-AF65-F5344CB8AC3E}">
+        <p14:creationId xmlns:p14="http://schemas.microsoft.com/office/powerpoint/2010/main" xmlns="" val="2248508179"/>
+      </p:ext>
+    </p:extLst>
+  </p:cSld>
+  <p:clrMapOvr>
+    <a:masterClrMapping/>
+  </p:clrMapOvr>
+</p:sld>
+</file>
+
+<file path=ppt/slides/slide26.xml><?xml version="1.0" encoding="utf-8"?>
+<p:sld xmlns:a="http://schemas.openxmlformats.org/drawingml/2006/main" xmlns:r="http://schemas.openxmlformats.org/officeDocument/2006/relationships" xmlns:p="http://schemas.openxmlformats.org/presentationml/2006/main">
+  <p:cSld>
+    <p:spTree>
+      <p:nvGrpSpPr>
+        <p:cNvPr id="1" name=""/>
+        <p:cNvGrpSpPr/>
+        <p:nvPr/>
+      </p:nvGrpSpPr>
+      <p:grpSpPr>
+        <a:xfrm>
+          <a:off x="0" y="0"/>
+          <a:ext cx="0" cy="0"/>
+          <a:chOff x="0" y="0"/>
+          <a:chExt cx="0" cy="0"/>
+        </a:xfrm>
+      </p:grpSpPr>
+      <p:sp>
+        <p:nvSpPr>
+          <p:cNvPr id="2" name="Tytuł 1">
+            <a:extLst>
+              <a:ext uri="{FF2B5EF4-FFF2-40B4-BE49-F238E27FC236}">
+                <a16:creationId xmlns:a16="http://schemas.microsoft.com/office/drawing/2014/main" xmlns="" id="{4C96B3A8-B3B5-A330-D0CB-E2FFAF43ED34}"/>
+              </a:ext>
+            </a:extLst>
+          </p:cNvPr>
+          <p:cNvSpPr>
+            <a:spLocks noGrp="1"/>
+          </p:cNvSpPr>
+          <p:nvPr>
+            <p:ph type="title"/>
+          </p:nvPr>
+        </p:nvSpPr>
+        <p:spPr/>
+        <p:txBody>
+          <a:bodyPr/>
+          <a:lstStyle/>
+          <a:p>
+            <a:endParaRPr lang="pl-PL"/>
+          </a:p>
+        </p:txBody>
+      </p:sp>
+      <p:sp>
+        <p:nvSpPr>
+          <p:cNvPr id="3" name="Symbol zastępczy zawartości 2">
+            <a:extLst>
+              <a:ext uri="{FF2B5EF4-FFF2-40B4-BE49-F238E27FC236}">
+                <a16:creationId xmlns:a16="http://schemas.microsoft.com/office/drawing/2014/main" xmlns="" id="{055215FA-CB6B-E39A-5159-44E3C4FE5306}"/>
+              </a:ext>
+            </a:extLst>
+          </p:cNvPr>
+          <p:cNvSpPr>
+            <a:spLocks noGrp="1"/>
+          </p:cNvSpPr>
+          <p:nvPr>
+            <p:ph idx="1"/>
+          </p:nvPr>
+        </p:nvSpPr>
+        <p:spPr/>
+        <p:txBody>
+          <a:bodyPr vert="horz" lIns="91440" tIns="45720" rIns="91440" bIns="45720" rtlCol="0" anchor="t">
+            <a:normAutofit/>
+          </a:bodyPr>
+          <a:lstStyle/>
+          <a:p>
+            <a:pPr marL="0" indent="0">
+              <a:buNone/>
+            </a:pPr>
+            <a:r>
+              <a:rPr lang="pl-PL" dirty="0">
+                <a:ea typeface="+mn-lt"/>
+                <a:cs typeface="+mn-lt"/>
+              </a:rPr>
+              <a:t>ABACABADABACABA</a:t>
+            </a:r>
+          </a:p>
+          <a:p>
+            <a:pPr marL="0" indent="0">
+              <a:buNone/>
+            </a:pPr>
+            <a:r>
+              <a:rPr lang="pl-PL" dirty="0"/>
+              <a:t>             ^^^</a:t>
+            </a:r>
+          </a:p>
+          <a:p>
+            <a:pPr>
+              <a:buFont typeface="Calibri" panose="020B0604020202020204" pitchFamily="34" charset="0"/>
+              <a:buChar char="-"/>
+            </a:pPr>
+            <a:r>
+              <a:rPr lang="pl-PL" dirty="0"/>
+              <a:t>- - -  ABA</a:t>
+            </a:r>
+          </a:p>
+          <a:p>
+            <a:pPr>
+              <a:buFont typeface="Arial,Sans-Serif" panose="020B0604020202020204" pitchFamily="34" charset="0"/>
+              <a:buChar char="•"/>
+            </a:pPr>
+            <a:r>
+              <a:rPr lang="pl-PL" dirty="0">
+                <a:latin typeface="Arial"/>
+                <a:cs typeface="Arial"/>
+              </a:rPr>
+              <a:t>A (pozycja 2 wzorca) == A (pozycja 7 tekstu) -&gt; zgodność</a:t>
+            </a:r>
+          </a:p>
+          <a:p>
+            <a:pPr>
+              <a:buFont typeface="Arial,Sans-Serif" panose="020B0604020202020204" pitchFamily="34" charset="0"/>
+              <a:buChar char="•"/>
+            </a:pPr>
+            <a:r>
+              <a:rPr lang="pl-PL" dirty="0">
+                <a:latin typeface="Arial"/>
+                <a:cs typeface="Arial"/>
+              </a:rPr>
+              <a:t>B (pozycja 1 wzorca) == B (pozycja 6 tekstu) -&gt; zgodność</a:t>
+            </a:r>
+          </a:p>
+          <a:p>
+            <a:pPr>
+              <a:buFont typeface="Arial,Sans-Serif" panose="020B0604020202020204" pitchFamily="34" charset="0"/>
+              <a:buChar char="•"/>
+            </a:pPr>
+            <a:r>
+              <a:rPr lang="pl-PL" dirty="0">
+                <a:latin typeface="Arial"/>
+                <a:cs typeface="Arial"/>
+              </a:rPr>
+              <a:t>A (pozycja 0 wzorca) == A (pozycja 5 tekstu) -&gt; zgodność</a:t>
+            </a:r>
+            <a:endParaRPr lang="pl-PL" dirty="0"/>
+          </a:p>
+          <a:p>
+            <a:pPr marL="0" indent="0">
+              <a:buNone/>
+            </a:pPr>
+            <a:r>
+              <a:rPr lang="pl-PL" dirty="0" err="1"/>
+              <a:t>Wystepowanie</a:t>
+            </a:r>
+            <a:r>
+              <a:rPr lang="pl-PL" dirty="0"/>
+              <a:t> wzorca na pozycji 5</a:t>
+            </a:r>
+          </a:p>
+        </p:txBody>
+      </p:sp>
+    </p:spTree>
+    <p:extLst>
+      <p:ext uri="{BB962C8B-B14F-4D97-AF65-F5344CB8AC3E}">
+        <p14:creationId xmlns:p14="http://schemas.microsoft.com/office/powerpoint/2010/main" xmlns="" val="15233736"/>
+      </p:ext>
+    </p:extLst>
+  </p:cSld>
+  <p:clrMapOvr>
+    <a:masterClrMapping/>
+  </p:clrMapOvr>
+</p:sld>
+</file>
+
+<file path=ppt/slides/slide27.xml><?xml version="1.0" encoding="utf-8"?>
+<p:sld xmlns:a="http://schemas.openxmlformats.org/drawingml/2006/main" xmlns:r="http://schemas.openxmlformats.org/officeDocument/2006/relationships" xmlns:p="http://schemas.openxmlformats.org/presentationml/2006/main">
+  <p:cSld>
+    <p:spTree>
+      <p:nvGrpSpPr>
+        <p:cNvPr id="1" name=""/>
+        <p:cNvGrpSpPr/>
+        <p:nvPr/>
+      </p:nvGrpSpPr>
+      <p:grpSpPr>
+        <a:xfrm>
+          <a:off x="0" y="0"/>
+          <a:ext cx="0" cy="0"/>
+          <a:chOff x="0" y="0"/>
+          <a:chExt cx="0" cy="0"/>
+        </a:xfrm>
+      </p:grpSpPr>
+      <p:sp>
+        <p:nvSpPr>
+          <p:cNvPr id="2" name="Tytuł 1">
+            <a:extLst>
+              <a:ext uri="{FF2B5EF4-FFF2-40B4-BE49-F238E27FC236}">
+                <a16:creationId xmlns:a16="http://schemas.microsoft.com/office/drawing/2014/main" xmlns="" id="{64D1C5AC-E344-08CA-96D6-1FE03ADEBF6C}"/>
+              </a:ext>
+            </a:extLst>
+          </p:cNvPr>
+          <p:cNvSpPr>
+            <a:spLocks noGrp="1"/>
+          </p:cNvSpPr>
+          <p:nvPr>
+            <p:ph type="title"/>
+          </p:nvPr>
+        </p:nvSpPr>
+        <p:spPr/>
+        <p:txBody>
+          <a:bodyPr/>
+          <a:lstStyle/>
+          <a:p>
+            <a:endParaRPr lang="pl-PL"/>
+          </a:p>
+        </p:txBody>
+      </p:sp>
+      <p:sp>
+        <p:nvSpPr>
+          <p:cNvPr id="3" name="Symbol zastępczy zawartości 2">
+            <a:extLst>
+              <a:ext uri="{FF2B5EF4-FFF2-40B4-BE49-F238E27FC236}">
+                <a16:creationId xmlns:a16="http://schemas.microsoft.com/office/drawing/2014/main" xmlns="" id="{AB804463-1DC5-C166-1DC2-4917A39320B6}"/>
+              </a:ext>
+            </a:extLst>
+          </p:cNvPr>
+          <p:cNvSpPr>
+            <a:spLocks noGrp="1"/>
+          </p:cNvSpPr>
+          <p:nvPr>
+            <p:ph idx="1"/>
+          </p:nvPr>
+        </p:nvSpPr>
+        <p:spPr/>
+        <p:txBody>
+          <a:bodyPr vert="horz" lIns="91440" tIns="45720" rIns="91440" bIns="45720" rtlCol="0" anchor="t">
+            <a:normAutofit/>
+          </a:bodyPr>
+          <a:lstStyle/>
+          <a:p>
+            <a:pPr marL="0" indent="0">
+              <a:buNone/>
+            </a:pPr>
+            <a:r>
+              <a:rPr lang="pl-PL" dirty="0">
+                <a:ea typeface="+mn-lt"/>
+                <a:cs typeface="+mn-lt"/>
+              </a:rPr>
+              <a:t>ABACABADZYACA</a:t>
+            </a:r>
+          </a:p>
+          <a:p>
+            <a:pPr marL="0" indent="0">
+              <a:buNone/>
+            </a:pPr>
+            <a:r>
+              <a:rPr lang="pl-PL" dirty="0">
+                <a:ea typeface="+mn-lt"/>
+                <a:cs typeface="+mn-lt"/>
+              </a:rPr>
+              <a:t>                      ^^^</a:t>
+            </a:r>
+          </a:p>
+          <a:p>
+            <a:pPr>
+              <a:buFont typeface="Calibri" panose="020B0604020202020204" pitchFamily="34" charset="0"/>
+              <a:buChar char="-"/>
+            </a:pPr>
+            <a:r>
+              <a:rPr lang="pl-PL" dirty="0">
+                <a:ea typeface="+mn-lt"/>
+                <a:cs typeface="+mn-lt"/>
+              </a:rPr>
+              <a:t>- - -  - -  - ABA</a:t>
+            </a:r>
+          </a:p>
+          <a:p>
+            <a:pPr>
+              <a:buFont typeface="Calibri" panose="020B0604020202020204" pitchFamily="34" charset="0"/>
+              <a:buChar char="-"/>
+            </a:pPr>
+            <a:r>
+              <a:rPr lang="pl-PL" dirty="0">
+                <a:latin typeface="Arial"/>
+                <a:ea typeface="+mn-lt"/>
+                <a:cs typeface="Arial"/>
+              </a:rPr>
+              <a:t>A (pozycja 2 wzorca) == Y (pozycja 9 tekstu)</a:t>
+            </a:r>
+            <a:endParaRPr lang="pl-PL" dirty="0">
+              <a:ea typeface="+mn-lt"/>
+              <a:cs typeface="+mn-lt"/>
+            </a:endParaRPr>
+          </a:p>
+          <a:p>
+            <a:pPr marL="0" indent="0">
+              <a:buNone/>
+            </a:pPr>
+            <a:r>
+              <a:rPr lang="pl-PL" dirty="0">
+                <a:latin typeface="Arial"/>
+                <a:ea typeface="+mn-lt"/>
+                <a:cs typeface="Arial"/>
+              </a:rPr>
+              <a:t>Sprawdzamy czy Y </a:t>
+            </a:r>
+            <a:r>
+              <a:rPr lang="pl-PL" dirty="0" err="1">
+                <a:latin typeface="Arial"/>
+                <a:ea typeface="+mn-lt"/>
+                <a:cs typeface="Arial"/>
+              </a:rPr>
+              <a:t>wysepuje</a:t>
+            </a:r>
+            <a:r>
+              <a:rPr lang="pl-PL" dirty="0">
+                <a:latin typeface="Arial"/>
+                <a:ea typeface="+mn-lt"/>
+                <a:cs typeface="Arial"/>
+              </a:rPr>
+              <a:t> w tablicy </a:t>
+            </a:r>
+            <a:r>
+              <a:rPr lang="pl-PL" dirty="0" err="1">
+                <a:latin typeface="Arial"/>
+                <a:ea typeface="+mn-lt"/>
+                <a:cs typeface="Arial"/>
+              </a:rPr>
+              <a:t>last_fill</a:t>
+            </a:r>
+            <a:r>
+              <a:rPr lang="pl-PL" dirty="0">
+                <a:latin typeface="Arial"/>
+                <a:ea typeface="+mn-lt"/>
+                <a:cs typeface="Arial"/>
+              </a:rPr>
+              <a:t> nie </a:t>
+            </a:r>
+            <a:r>
+              <a:rPr lang="pl-PL" dirty="0" err="1">
+                <a:latin typeface="Arial"/>
+                <a:ea typeface="+mn-lt"/>
+                <a:cs typeface="Arial"/>
+              </a:rPr>
+              <a:t>wystepuje</a:t>
+            </a:r>
+            <a:r>
+              <a:rPr lang="pl-PL" dirty="0">
+                <a:latin typeface="Arial"/>
+                <a:ea typeface="+mn-lt"/>
+                <a:cs typeface="Arial"/>
+              </a:rPr>
+              <a:t> to przesuwamy o </a:t>
+            </a:r>
+            <a:r>
+              <a:rPr lang="pl-PL" dirty="0" err="1">
+                <a:latin typeface="Arial"/>
+                <a:ea typeface="+mn-lt"/>
+                <a:cs typeface="Arial"/>
+              </a:rPr>
+              <a:t>długosc</a:t>
+            </a:r>
+            <a:r>
+              <a:rPr lang="pl-PL" dirty="0">
+                <a:latin typeface="Arial"/>
+                <a:ea typeface="+mn-lt"/>
+                <a:cs typeface="Arial"/>
+              </a:rPr>
+              <a:t> wzorca</a:t>
+            </a:r>
+          </a:p>
+          <a:p>
+            <a:pPr>
+              <a:buFont typeface="Calibri" panose="020B0604020202020204" pitchFamily="34" charset="0"/>
+              <a:buChar char="-"/>
+            </a:pPr>
+            <a:endParaRPr lang="pl-PL" dirty="0">
+              <a:ea typeface="+mn-lt"/>
+              <a:cs typeface="+mn-lt"/>
+            </a:endParaRPr>
+          </a:p>
+        </p:txBody>
+      </p:sp>
+    </p:spTree>
+    <p:extLst>
+      <p:ext uri="{BB962C8B-B14F-4D97-AF65-F5344CB8AC3E}">
+        <p14:creationId xmlns:p14="http://schemas.microsoft.com/office/powerpoint/2010/main" xmlns="" val="2548761888"/>
+      </p:ext>
+    </p:extLst>
+  </p:cSld>
+  <p:clrMapOvr>
+    <a:masterClrMapping/>
+  </p:clrMapOvr>
+</p:sld>
+</file>
+
+<file path=ppt/slides/slide28.xml><?xml version="1.0" encoding="utf-8"?>
+<p:sld xmlns:a="http://schemas.openxmlformats.org/drawingml/2006/main" xmlns:r="http://schemas.openxmlformats.org/officeDocument/2006/relationships" xmlns:p="http://schemas.openxmlformats.org/presentationml/2006/main">
+  <p:cSld>
+    <p:spTree>
+      <p:nvGrpSpPr>
+        <p:cNvPr id="1" name=""/>
+        <p:cNvGrpSpPr/>
+        <p:nvPr/>
+      </p:nvGrpSpPr>
+      <p:grpSpPr>
+        <a:xfrm>
+          <a:off x="0" y="0"/>
+          <a:ext cx="0" cy="0"/>
+          <a:chOff x="0" y="0"/>
+          <a:chExt cx="0" cy="0"/>
+        </a:xfrm>
+      </p:grpSpPr>
+      <p:sp>
+        <p:nvSpPr>
+          <p:cNvPr id="2" name="Tytuł 1">
+            <a:extLst>
+              <a:ext uri="{FF2B5EF4-FFF2-40B4-BE49-F238E27FC236}">
+                <a16:creationId xmlns:a16="http://schemas.microsoft.com/office/drawing/2014/main" xmlns="" id="{98C4FC63-8754-E680-9CCD-937BC45B576A}"/>
+              </a:ext>
+            </a:extLst>
+          </p:cNvPr>
+          <p:cNvSpPr>
+            <a:spLocks noGrp="1"/>
+          </p:cNvSpPr>
+          <p:nvPr>
+            <p:ph type="title"/>
+          </p:nvPr>
+        </p:nvSpPr>
+        <p:spPr/>
+        <p:txBody>
+          <a:bodyPr/>
+          <a:lstStyle/>
+          <a:p>
+            <a:endParaRPr lang="pl-PL"/>
+          </a:p>
+        </p:txBody>
+      </p:sp>
+      <p:sp>
+        <p:nvSpPr>
+          <p:cNvPr id="3" name="Symbol zastępczy zawartości 2">
+            <a:extLst>
+              <a:ext uri="{FF2B5EF4-FFF2-40B4-BE49-F238E27FC236}">
+                <a16:creationId xmlns:a16="http://schemas.microsoft.com/office/drawing/2014/main" xmlns="" id="{9A5FF6F1-6784-F12E-F1C2-671550C96AF2}"/>
+              </a:ext>
+            </a:extLst>
+          </p:cNvPr>
+          <p:cNvSpPr>
+            <a:spLocks noGrp="1"/>
+          </p:cNvSpPr>
+          <p:nvPr>
+            <p:ph idx="1"/>
+          </p:nvPr>
+        </p:nvSpPr>
+        <p:spPr/>
+        <p:txBody>
+          <a:bodyPr vert="horz" lIns="91440" tIns="45720" rIns="91440" bIns="45720" rtlCol="0" anchor="t">
+            <a:normAutofit/>
+          </a:bodyPr>
+          <a:lstStyle/>
+          <a:p>
+            <a:pPr marL="0" indent="0">
+              <a:buNone/>
+            </a:pPr>
+            <a:r>
+              <a:rPr lang="pl-PL" dirty="0">
+                <a:ea typeface="+mn-lt"/>
+                <a:cs typeface="+mn-lt"/>
+              </a:rPr>
+              <a:t>ABACABADZYACA</a:t>
+            </a:r>
+            <a:endParaRPr lang="en-US" dirty="0">
+              <a:ea typeface="+mn-lt"/>
+              <a:cs typeface="+mn-lt"/>
+            </a:endParaRPr>
+          </a:p>
+          <a:p>
+            <a:pPr marL="0" indent="0">
+              <a:buNone/>
+            </a:pPr>
+            <a:r>
+              <a:rPr lang="pl-PL" dirty="0">
+                <a:latin typeface="Aptos"/>
+                <a:cs typeface="Arial"/>
+              </a:rPr>
+              <a:t>                              ^^^</a:t>
+            </a:r>
+          </a:p>
+          <a:p>
+            <a:pPr>
+              <a:buFont typeface="Calibri"/>
+              <a:buChar char="-"/>
+            </a:pPr>
+            <a:r>
+              <a:rPr lang="pl-PL" dirty="0">
+                <a:latin typeface="Arial"/>
+                <a:cs typeface="Arial"/>
+              </a:rPr>
+              <a:t>- - - -  - -  - -ABA</a:t>
+            </a:r>
+            <a:endParaRPr lang="pl-PL" dirty="0"/>
+          </a:p>
+          <a:p>
+            <a:pPr>
+              <a:buFont typeface="Arial,Sans-Serif"/>
+              <a:buChar char="•"/>
+            </a:pPr>
+            <a:r>
+              <a:rPr lang="pl-PL" dirty="0">
+                <a:latin typeface="Arial"/>
+                <a:cs typeface="Arial"/>
+              </a:rPr>
+              <a:t>A (pozycja 2 wzorca) == A (pozycja 12 tekstu) -&gt; zgodność</a:t>
+            </a:r>
+            <a:endParaRPr lang="en-US">
+              <a:latin typeface="Arial"/>
+              <a:cs typeface="Arial"/>
+            </a:endParaRPr>
+          </a:p>
+          <a:p>
+            <a:pPr>
+              <a:buFont typeface="Arial,Sans-Serif"/>
+              <a:buChar char="•"/>
+            </a:pPr>
+            <a:r>
+              <a:rPr lang="pl-PL" dirty="0">
+                <a:latin typeface="Arial"/>
+                <a:cs typeface="Arial"/>
+              </a:rPr>
+              <a:t>B (pozycja 1 wzorca) == C (pozycja 11 tekstu) -&gt; brak </a:t>
+            </a:r>
+            <a:r>
+              <a:rPr lang="pl-PL" dirty="0" err="1">
+                <a:latin typeface="Arial"/>
+                <a:cs typeface="Arial"/>
+              </a:rPr>
+              <a:t>zgodnosci</a:t>
+            </a:r>
+            <a:endParaRPr lang="en-US">
+              <a:latin typeface="Arial"/>
+              <a:cs typeface="Arial"/>
+            </a:endParaRPr>
+          </a:p>
+          <a:p>
+            <a:pPr>
+              <a:buFont typeface="Arial,Sans-Serif"/>
+              <a:buChar char="•"/>
+            </a:pPr>
+            <a:r>
+              <a:rPr lang="pl-PL" dirty="0">
+                <a:latin typeface="Arial"/>
+                <a:cs typeface="Arial"/>
+              </a:rPr>
+              <a:t>A (pozycja 0 wzorca) == A (pozycja 10 tekstu) -&gt; zgodność</a:t>
+            </a:r>
+            <a:endParaRPr lang="pl-PL" dirty="0"/>
+          </a:p>
+          <a:p>
+            <a:pPr>
+              <a:buFont typeface="Arial,Sans-Serif"/>
+              <a:buChar char="•"/>
+            </a:pPr>
+            <a:r>
+              <a:rPr lang="pl-PL" dirty="0">
+                <a:latin typeface="Arial"/>
+                <a:cs typeface="Arial"/>
+              </a:rPr>
+              <a:t>Koniec.</a:t>
+            </a:r>
+          </a:p>
+          <a:p>
+            <a:pPr marL="0" indent="0">
+              <a:buNone/>
+            </a:pPr>
+            <a:endParaRPr lang="pl-PL" dirty="0"/>
+          </a:p>
+        </p:txBody>
+      </p:sp>
+    </p:spTree>
+    <p:extLst>
+      <p:ext uri="{BB962C8B-B14F-4D97-AF65-F5344CB8AC3E}">
+        <p14:creationId xmlns:p14="http://schemas.microsoft.com/office/powerpoint/2010/main" xmlns="" val="2812979796"/>
       </p:ext>
     </p:extLst>
   </p:cSld>
@@ -4403,13 +5780,7 @@
       </p:grpSpPr>
       <p:sp>
         <p:nvSpPr>
-          <p:cNvPr id="2" name="Tytuł 1">
-            <a:extLst>
-              <a:ext uri="{FF2B5EF4-FFF2-40B4-BE49-F238E27FC236}">
-                <a16:creationId xmlns:a16="http://schemas.microsoft.com/office/drawing/2014/main" id="{835E4B75-BDAE-FC48-56DD-C586A2347E4C}"/>
-              </a:ext>
-            </a:extLst>
-          </p:cNvPr>
+          <p:cNvPr id="2" name="Tytuł 1"/>
           <p:cNvSpPr>
             <a:spLocks noGrp="1"/>
           </p:cNvSpPr>
@@ -4422,31 +5793,13 @@
           <a:bodyPr/>
           <a:lstStyle/>
           <a:p>
-            <a:r>
-              <a:rPr lang="pl-PL" dirty="0"/>
-              <a:t>Działanie algorytmu </a:t>
-            </a:r>
-            <a:r>
-              <a:rPr lang="pl-PL" dirty="0" err="1"/>
-              <a:t>huffmana</a:t>
-            </a:r>
-            <a:r>
-              <a:rPr lang="pl-PL" dirty="0"/>
-              <a:t> </a:t>
-            </a:r>
             <a:endParaRPr lang="pl-PL"/>
           </a:p>
         </p:txBody>
       </p:sp>
       <p:sp>
         <p:nvSpPr>
-          <p:cNvPr id="3" name="Symbol zastępczy zawartości 2">
-            <a:extLst>
-              <a:ext uri="{FF2B5EF4-FFF2-40B4-BE49-F238E27FC236}">
-                <a16:creationId xmlns:a16="http://schemas.microsoft.com/office/drawing/2014/main" id="{CF943870-9689-B520-9967-4AD153C76937}"/>
-              </a:ext>
-            </a:extLst>
-          </p:cNvPr>
+          <p:cNvPr id="3" name="Symbol zastępczy zawartości 2"/>
           <p:cNvSpPr>
             <a:spLocks noGrp="1"/>
           </p:cNvSpPr>
@@ -4456,54 +5809,40 @@
         </p:nvSpPr>
         <p:spPr/>
         <p:txBody>
-          <a:bodyPr vert="horz" lIns="91440" tIns="45720" rIns="91440" bIns="45720" rtlCol="0" anchor="t">
-            <a:normAutofit/>
-          </a:bodyPr>
-          <a:lstStyle/>
-          <a:p>
-            <a:r>
-              <a:rPr lang="pl-PL" dirty="0"/>
-              <a:t>Wpisujemy słowo POLI </a:t>
-            </a:r>
+          <a:bodyPr/>
+          <a:lstStyle/>
+          <a:p>
             <a:endParaRPr lang="pl-PL"/>
           </a:p>
-          <a:p>
-            <a:r>
-              <a:rPr lang="pl-PL" dirty="0"/>
-              <a:t>I nasza kolejka priorytetowa wygląda w ten sposób </a:t>
-            </a:r>
-          </a:p>
-          <a:p>
-            <a:r>
-              <a:rPr lang="pl-PL" dirty="0">
-                <a:ea typeface="+mn-lt"/>
-                <a:cs typeface="+mn-lt"/>
-              </a:rPr>
-              <a:t>Kolejka priorytetowa (min </a:t>
-            </a:r>
-            <a:r>
-              <a:rPr lang="pl-PL" dirty="0" err="1">
-                <a:ea typeface="+mn-lt"/>
-                <a:cs typeface="+mn-lt"/>
-              </a:rPr>
-              <a:t>heap</a:t>
-            </a:r>
-            <a:r>
-              <a:rPr lang="pl-PL" dirty="0">
-                <a:ea typeface="+mn-lt"/>
-                <a:cs typeface="+mn-lt"/>
-              </a:rPr>
-              <a:t>): [p: 1, o: 1, l: 1, i: 1]</a:t>
-            </a:r>
-          </a:p>
-        </p:txBody>
-      </p:sp>
+        </p:txBody>
+      </p:sp>
+      <p:pic>
+        <p:nvPicPr>
+          <p:cNvPr id="2050" name="Picture 2" descr="C:\Users\HP\Desktop\Płaszczaki\plot po kolei\2.png"/>
+          <p:cNvPicPr>
+            <a:picLocks noChangeAspect="1" noChangeArrowheads="1"/>
+          </p:cNvPicPr>
+          <p:nvPr/>
+        </p:nvPicPr>
+        <p:blipFill>
+          <a:blip r:embed="rId2" cstate="print"/>
+          <a:srcRect/>
+          <a:stretch>
+            <a:fillRect/>
+          </a:stretch>
+        </p:blipFill>
+        <p:spPr bwMode="auto">
+          <a:xfrm>
+            <a:off x="510739" y="252762"/>
+            <a:ext cx="11145838" cy="6230937"/>
+          </a:xfrm>
+          <a:prstGeom prst="rect">
+            <a:avLst/>
+          </a:prstGeom>
+          <a:noFill/>
+        </p:spPr>
+      </p:pic>
     </p:spTree>
-    <p:extLst>
-      <p:ext uri="{BB962C8B-B14F-4D97-AF65-F5344CB8AC3E}">
-        <p14:creationId xmlns:p14="http://schemas.microsoft.com/office/powerpoint/2010/main" val="3202422288"/>
-      </p:ext>
-    </p:extLst>
   </p:cSld>
   <p:clrMapOvr>
     <a:masterClrMapping/>
@@ -4530,13 +5869,7 @@
       </p:grpSpPr>
       <p:sp>
         <p:nvSpPr>
-          <p:cNvPr id="2" name="Tytuł 1">
-            <a:extLst>
-              <a:ext uri="{FF2B5EF4-FFF2-40B4-BE49-F238E27FC236}">
-                <a16:creationId xmlns:a16="http://schemas.microsoft.com/office/drawing/2014/main" id="{4B74307E-EA62-332C-0A30-EBE464D3AD21}"/>
-              </a:ext>
-            </a:extLst>
-          </p:cNvPr>
+          <p:cNvPr id="2" name="Tytuł 1"/>
           <p:cNvSpPr>
             <a:spLocks noGrp="1"/>
           </p:cNvSpPr>
@@ -4549,56 +5882,56 @@
           <a:bodyPr/>
           <a:lstStyle/>
           <a:p>
-            <a:r>
-              <a:rPr lang="pl-PL" dirty="0"/>
-              <a:t>W jaki sposób tworzę drzewo </a:t>
-            </a:r>
-            <a:r>
-              <a:rPr lang="pl-PL" dirty="0" err="1"/>
-              <a:t>Huffmana</a:t>
-            </a:r>
-            <a:r>
-              <a:rPr lang="pl-PL" dirty="0"/>
-              <a:t>?</a:t>
-            </a:r>
+            <a:endParaRPr lang="pl-PL"/>
+          </a:p>
+        </p:txBody>
+      </p:sp>
+      <p:sp>
+        <p:nvSpPr>
+          <p:cNvPr id="3" name="Symbol zastępczy zawartości 2"/>
+          <p:cNvSpPr>
+            <a:spLocks noGrp="1"/>
+          </p:cNvSpPr>
+          <p:nvPr>
+            <p:ph idx="1"/>
+          </p:nvPr>
+        </p:nvSpPr>
+        <p:spPr/>
+        <p:txBody>
+          <a:bodyPr/>
+          <a:lstStyle/>
+          <a:p>
+            <a:endParaRPr lang="pl-PL"/>
           </a:p>
         </p:txBody>
       </p:sp>
       <p:pic>
         <p:nvPicPr>
-          <p:cNvPr id="4" name="Symbol zastępczy zawartości 3" descr="Obraz zawierający diagram, krąg, linia&#10;&#10;Opis wygenerowany automatycznie">
-            <a:extLst>
-              <a:ext uri="{FF2B5EF4-FFF2-40B4-BE49-F238E27FC236}">
-                <a16:creationId xmlns:a16="http://schemas.microsoft.com/office/drawing/2014/main" id="{6826B825-7E4F-9A16-0234-34174304FC81}"/>
-              </a:ext>
-            </a:extLst>
-          </p:cNvPr>
+          <p:cNvPr id="3074" name="Picture 2" descr="C:\Users\HP\Desktop\Płaszczaki\plot po kolei\3.png"/>
           <p:cNvPicPr>
-            <a:picLocks noGrp="1" noChangeAspect="1"/>
+            <a:picLocks noChangeAspect="1" noChangeArrowheads="1"/>
           </p:cNvPicPr>
-          <p:nvPr>
-            <p:ph idx="1"/>
-          </p:nvPr>
+          <p:nvPr/>
         </p:nvPicPr>
         <p:blipFill>
-          <a:blip r:embed="rId2"/>
+          <a:blip r:embed="rId2" cstate="print"/>
+          <a:srcRect/>
           <a:stretch>
             <a:fillRect/>
           </a:stretch>
         </p:blipFill>
-        <p:spPr>
+        <p:spPr bwMode="auto">
           <a:xfrm>
-            <a:off x="3046268" y="1718301"/>
-            <a:ext cx="6614618" cy="4351338"/>
+            <a:off x="633976" y="288758"/>
+            <a:ext cx="10707688" cy="6269038"/>
           </a:xfrm>
+          <a:prstGeom prst="rect">
+            <a:avLst/>
+          </a:prstGeom>
+          <a:noFill/>
         </p:spPr>
       </p:pic>
     </p:spTree>
-    <p:extLst>
-      <p:ext uri="{BB962C8B-B14F-4D97-AF65-F5344CB8AC3E}">
-        <p14:creationId xmlns:p14="http://schemas.microsoft.com/office/powerpoint/2010/main" val="2458428521"/>
-      </p:ext>
-    </p:extLst>
   </p:cSld>
   <p:clrMapOvr>
     <a:masterClrMapping/>
@@ -4625,13 +5958,7 @@
       </p:grpSpPr>
       <p:sp>
         <p:nvSpPr>
-          <p:cNvPr id="2" name="Tytuł 1">
-            <a:extLst>
-              <a:ext uri="{FF2B5EF4-FFF2-40B4-BE49-F238E27FC236}">
-                <a16:creationId xmlns:a16="http://schemas.microsoft.com/office/drawing/2014/main" id="{CAF3D9B4-0AB8-4925-D5E1-DDCD6C480AED}"/>
-              </a:ext>
-            </a:extLst>
-          </p:cNvPr>
+          <p:cNvPr id="2" name="Tytuł 1"/>
           <p:cNvSpPr>
             <a:spLocks noGrp="1"/>
           </p:cNvSpPr>
@@ -4644,22 +5971,13 @@
           <a:bodyPr/>
           <a:lstStyle/>
           <a:p>
-            <a:r>
-              <a:rPr lang="pl-PL" dirty="0"/>
-              <a:t>1.krok</a:t>
-            </a:r>
-          </a:p>
-        </p:txBody>
-      </p:sp>
-      <p:sp>
-        <p:nvSpPr>
-          <p:cNvPr id="3" name="Symbol zastępczy zawartości 2">
-            <a:extLst>
-              <a:ext uri="{FF2B5EF4-FFF2-40B4-BE49-F238E27FC236}">
-                <a16:creationId xmlns:a16="http://schemas.microsoft.com/office/drawing/2014/main" id="{AE8BDFB4-725B-85C0-EB38-64ADAF4204B5}"/>
-              </a:ext>
-            </a:extLst>
-          </p:cNvPr>
+            <a:endParaRPr lang="pl-PL"/>
+          </a:p>
+        </p:txBody>
+      </p:sp>
+      <p:sp>
+        <p:nvSpPr>
+          <p:cNvPr id="3" name="Symbol zastępczy zawartości 2"/>
           <p:cNvSpPr>
             <a:spLocks noGrp="1"/>
           </p:cNvSpPr>
@@ -4669,98 +5987,40 @@
         </p:nvSpPr>
         <p:spPr/>
         <p:txBody>
-          <a:bodyPr vert="horz" lIns="91440" tIns="45720" rIns="91440" bIns="45720" rtlCol="0" anchor="t">
-            <a:normAutofit/>
-          </a:bodyPr>
-          <a:lstStyle/>
-          <a:p>
-            <a:r>
-              <a:rPr lang="pl-PL" dirty="0"/>
-              <a:t>Przeszukujemy naszą kolejkę min </a:t>
-            </a:r>
-            <a:r>
-              <a:rPr lang="pl-PL" dirty="0" err="1"/>
-              <a:t>Heap</a:t>
-            </a:r>
-            <a:r>
-              <a:rPr lang="pl-PL" dirty="0"/>
-              <a:t> i wybieramy te dwa węzły o najmniejszej liczbie </a:t>
-            </a:r>
-            <a:r>
-              <a:rPr lang="pl-PL" dirty="0" err="1"/>
-              <a:t>wystąpien</a:t>
-            </a:r>
-            <a:r>
-              <a:rPr lang="pl-PL" dirty="0"/>
-              <a:t> i tę które mają najmniejszy kod </a:t>
-            </a:r>
-            <a:r>
-              <a:rPr lang="pl-PL" dirty="0" err="1"/>
-              <a:t>ascii</a:t>
-            </a:r>
-            <a:r>
-              <a:rPr lang="pl-PL" dirty="0"/>
-              <a:t> </a:t>
-            </a:r>
-            <a:r>
-              <a:rPr lang="pl-PL" dirty="0">
-                <a:ea typeface="+mn-lt"/>
-                <a:cs typeface="+mn-lt"/>
-              </a:rPr>
-              <a:t>(min </a:t>
-            </a:r>
-            <a:r>
-              <a:rPr lang="pl-PL" dirty="0" err="1">
-                <a:ea typeface="+mn-lt"/>
-                <a:cs typeface="+mn-lt"/>
-              </a:rPr>
-              <a:t>heap</a:t>
-            </a:r>
-            <a:r>
-              <a:rPr lang="pl-PL" dirty="0">
-                <a:ea typeface="+mn-lt"/>
-                <a:cs typeface="+mn-lt"/>
-              </a:rPr>
-              <a:t>): [p: 1, o: 1, l: 1, i: 1] wybieramy i, l i tworzymy nasze pierwsze korzenie i dodajemy im rodzica który jest </a:t>
-            </a:r>
-            <a:r>
-              <a:rPr lang="pl-PL" dirty="0" err="1">
-                <a:ea typeface="+mn-lt"/>
-                <a:cs typeface="+mn-lt"/>
-              </a:rPr>
-              <a:t>lączną</a:t>
-            </a:r>
-            <a:r>
-              <a:rPr lang="pl-PL" dirty="0">
-                <a:ea typeface="+mn-lt"/>
-                <a:cs typeface="+mn-lt"/>
-              </a:rPr>
-              <a:t> liczbą wystąpień tych liter w tym przypadku  </a:t>
-            </a:r>
-            <a:r>
-              <a:rPr lang="pl-PL" dirty="0" err="1">
-                <a:ea typeface="+mn-lt"/>
-                <a:cs typeface="+mn-lt"/>
-              </a:rPr>
-              <a:t>twworzymy</a:t>
-            </a:r>
-            <a:r>
-              <a:rPr lang="pl-PL" dirty="0">
-                <a:ea typeface="+mn-lt"/>
-                <a:cs typeface="+mn-lt"/>
-              </a:rPr>
-              <a:t> rodzica '2' </a:t>
-            </a:r>
-            <a:endParaRPr lang="pl-PL" dirty="0"/>
-          </a:p>
-        </p:txBody>
-      </p:sp>
+          <a:bodyPr/>
+          <a:lstStyle/>
+          <a:p>
+            <a:endParaRPr lang="pl-PL"/>
+          </a:p>
+        </p:txBody>
+      </p:sp>
+      <p:pic>
+        <p:nvPicPr>
+          <p:cNvPr id="4098" name="Picture 2" descr="C:\Users\HP\Desktop\Płaszczaki\plot po kolei\4.png"/>
+          <p:cNvPicPr>
+            <a:picLocks noChangeAspect="1" noChangeArrowheads="1"/>
+          </p:cNvPicPr>
+          <p:nvPr/>
+        </p:nvPicPr>
+        <p:blipFill>
+          <a:blip r:embed="rId2" cstate="print"/>
+          <a:srcRect/>
+          <a:stretch>
+            <a:fillRect/>
+          </a:stretch>
+        </p:blipFill>
+        <p:spPr bwMode="auto">
+          <a:xfrm>
+            <a:off x="190416" y="321267"/>
+            <a:ext cx="11688763" cy="6240462"/>
+          </a:xfrm>
+          <a:prstGeom prst="rect">
+            <a:avLst/>
+          </a:prstGeom>
+          <a:noFill/>
+        </p:spPr>
+      </p:pic>
     </p:spTree>
-    <p:extLst>
-      <p:ext uri="{BB962C8B-B14F-4D97-AF65-F5344CB8AC3E}">
-        <p14:creationId xmlns:p14="http://schemas.microsoft.com/office/powerpoint/2010/main" val="2661766763"/>
-      </p:ext>
-    </p:extLst>
   </p:cSld>
   <p:clrMapOvr>
     <a:masterClrMapping/>
@@ -4787,13 +6047,7 @@
       </p:grpSpPr>
       <p:sp>
         <p:nvSpPr>
-          <p:cNvPr id="2" name="Tytuł 1">
-            <a:extLst>
-              <a:ext uri="{FF2B5EF4-FFF2-40B4-BE49-F238E27FC236}">
-                <a16:creationId xmlns:a16="http://schemas.microsoft.com/office/drawing/2014/main" id="{0B336B1F-4D1C-B2B4-2E41-97C9523581B4}"/>
-              </a:ext>
-            </a:extLst>
-          </p:cNvPr>
+          <p:cNvPr id="2" name="Tytuł 1"/>
           <p:cNvSpPr>
             <a:spLocks noGrp="1"/>
           </p:cNvSpPr>
@@ -4806,45 +6060,90 @@
           <a:bodyPr/>
           <a:lstStyle/>
           <a:p>
-            <a:endParaRPr lang="pl-PL" dirty="0"/>
+            <a:endParaRPr lang="pl-PL"/>
+          </a:p>
+        </p:txBody>
+      </p:sp>
+      <p:sp>
+        <p:nvSpPr>
+          <p:cNvPr id="3" name="Symbol zastępczy zawartości 2"/>
+          <p:cNvSpPr>
+            <a:spLocks noGrp="1"/>
+          </p:cNvSpPr>
+          <p:nvPr>
+            <p:ph idx="1"/>
+          </p:nvPr>
+        </p:nvSpPr>
+        <p:spPr/>
+        <p:txBody>
+          <a:bodyPr/>
+          <a:lstStyle/>
+          <a:p>
+            <a:endParaRPr lang="pl-PL"/>
           </a:p>
         </p:txBody>
       </p:sp>
       <p:pic>
         <p:nvPicPr>
-          <p:cNvPr id="4" name="Symbol zastępczy zawartości 3" descr="Obraz zawierający krąg, diagram, linia&#10;&#10;Opis wygenerowany automatycznie">
-            <a:extLst>
-              <a:ext uri="{FF2B5EF4-FFF2-40B4-BE49-F238E27FC236}">
-                <a16:creationId xmlns:a16="http://schemas.microsoft.com/office/drawing/2014/main" id="{4D8ACF63-5B84-C101-9548-8E1D51F7F260}"/>
-              </a:ext>
-            </a:extLst>
-          </p:cNvPr>
+          <p:cNvPr id="5122" name="Picture 2" descr="C:\Users\HP\Desktop\Płaszczaki\plot po kolei\5.png"/>
           <p:cNvPicPr>
-            <a:picLocks noGrp="1" noChangeAspect="1"/>
+            <a:picLocks noChangeAspect="1" noChangeArrowheads="1"/>
           </p:cNvPicPr>
-          <p:nvPr>
-            <p:ph idx="1"/>
-          </p:nvPr>
+          <p:nvPr/>
         </p:nvPicPr>
         <p:blipFill>
-          <a:blip r:embed="rId2"/>
+          <a:blip r:embed="rId2" cstate="print"/>
+          <a:srcRect/>
           <a:stretch>
             <a:fillRect/>
           </a:stretch>
         </p:blipFill>
+        <p:spPr bwMode="auto">
+          <a:xfrm>
+            <a:off x="477670" y="212893"/>
+            <a:ext cx="11222038" cy="6240463"/>
+          </a:xfrm>
+          <a:prstGeom prst="rect">
+            <a:avLst/>
+          </a:prstGeom>
+          <a:noFill/>
+        </p:spPr>
+      </p:pic>
+      <p:sp>
+        <p:nvSpPr>
+          <p:cNvPr id="5" name="pole tekstowe 4"/>
+          <p:cNvSpPr txBox="1"/>
+          <p:nvPr/>
+        </p:nvSpPr>
         <p:spPr>
           <a:xfrm>
-            <a:off x="4238625" y="2125875"/>
-            <a:ext cx="3714750" cy="3514725"/>
+            <a:off x="9781673" y="5799221"/>
+            <a:ext cx="1890261" cy="369332"/>
           </a:xfrm>
+          <a:prstGeom prst="rect">
+            <a:avLst/>
+          </a:prstGeom>
+          <a:noFill/>
         </p:spPr>
-      </p:pic>
+        <p:txBody>
+          <a:bodyPr wrap="none" rtlCol="0">
+            <a:spAutoFit/>
+          </a:bodyPr>
+          <a:lstStyle/>
+          <a:p>
+            <a:r>
+              <a:rPr lang="pl-PL" dirty="0" smtClean="0"/>
+              <a:t>Algorytm </a:t>
+            </a:r>
+            <a:r>
+              <a:rPr lang="pl-PL" dirty="0" err="1" smtClean="0"/>
+              <a:t>Jarvisa</a:t>
+            </a:r>
+            <a:endParaRPr lang="pl-PL" dirty="0"/>
+          </a:p>
+        </p:txBody>
+      </p:sp>
     </p:spTree>
-    <p:extLst>
-      <p:ext uri="{BB962C8B-B14F-4D97-AF65-F5344CB8AC3E}">
-        <p14:creationId xmlns:p14="http://schemas.microsoft.com/office/powerpoint/2010/main" val="210312898"/>
-      </p:ext>
-    </p:extLst>
   </p:cSld>
   <p:clrMapOvr>
     <a:masterClrMapping/>
@@ -4871,13 +6170,7 @@
       </p:grpSpPr>
       <p:sp>
         <p:nvSpPr>
-          <p:cNvPr id="2" name="Tytuł 1">
-            <a:extLst>
-              <a:ext uri="{FF2B5EF4-FFF2-40B4-BE49-F238E27FC236}">
-                <a16:creationId xmlns:a16="http://schemas.microsoft.com/office/drawing/2014/main" id="{9DA80000-1F05-3EEE-C0DB-6D8169FB1192}"/>
-              </a:ext>
-            </a:extLst>
-          </p:cNvPr>
+          <p:cNvPr id="2" name="Tytuł 1"/>
           <p:cNvSpPr>
             <a:spLocks noGrp="1"/>
           </p:cNvSpPr>
@@ -4890,22 +6183,13 @@
           <a:bodyPr/>
           <a:lstStyle/>
           <a:p>
-            <a:r>
-              <a:rPr lang="pl-PL" dirty="0"/>
-              <a:t>Dalsze kroki...</a:t>
-            </a:r>
-          </a:p>
-        </p:txBody>
-      </p:sp>
-      <p:sp>
-        <p:nvSpPr>
-          <p:cNvPr id="3" name="Symbol zastępczy zawartości 2">
-            <a:extLst>
-              <a:ext uri="{FF2B5EF4-FFF2-40B4-BE49-F238E27FC236}">
-                <a16:creationId xmlns:a16="http://schemas.microsoft.com/office/drawing/2014/main" id="{46C959C1-1B77-13DE-2458-CD1ABC3EBAEA}"/>
-              </a:ext>
-            </a:extLst>
-          </p:cNvPr>
+            <a:endParaRPr lang="pl-PL"/>
+          </a:p>
+        </p:txBody>
+      </p:sp>
+      <p:sp>
+        <p:nvSpPr>
+          <p:cNvPr id="3" name="Symbol zastępczy zawartości 2"/>
           <p:cNvSpPr>
             <a:spLocks noGrp="1"/>
           </p:cNvSpPr>
@@ -4915,86 +6199,70 @@
         </p:nvSpPr>
         <p:spPr/>
         <p:txBody>
-          <a:bodyPr vert="horz" lIns="91440" tIns="45720" rIns="91440" bIns="45720" rtlCol="0" anchor="t">
-            <a:normAutofit/>
-          </a:bodyPr>
-          <a:lstStyle/>
-          <a:p>
-            <a:r>
-              <a:rPr lang="pl-PL" dirty="0">
-                <a:ea typeface="+mn-lt"/>
-                <a:cs typeface="+mn-lt"/>
-              </a:rPr>
-              <a:t>Nasza kolejka </a:t>
-            </a:r>
-            <a:r>
-              <a:rPr lang="pl-PL" dirty="0" err="1">
-                <a:ea typeface="+mn-lt"/>
-                <a:cs typeface="+mn-lt"/>
-              </a:rPr>
-              <a:t>wyglada</a:t>
-            </a:r>
-            <a:r>
-              <a:rPr lang="pl-PL" dirty="0">
-                <a:ea typeface="+mn-lt"/>
-                <a:cs typeface="+mn-lt"/>
-              </a:rPr>
-              <a:t> tak (min </a:t>
-            </a:r>
-            <a:r>
-              <a:rPr lang="pl-PL" dirty="0" err="1">
-                <a:ea typeface="+mn-lt"/>
-                <a:cs typeface="+mn-lt"/>
-              </a:rPr>
-              <a:t>heap</a:t>
-            </a:r>
-            <a:r>
-              <a:rPr lang="pl-PL" dirty="0">
-                <a:ea typeface="+mn-lt"/>
-                <a:cs typeface="+mn-lt"/>
-              </a:rPr>
-              <a:t>): [p: 1, o: 1,*: 2] wiec wyciągamy 'p' oraz 'o' analogicznie tworzymy nasze drugie korzenie </a:t>
-            </a:r>
-            <a:endParaRPr lang="pl-PL" dirty="0"/>
+          <a:bodyPr/>
+          <a:lstStyle/>
+          <a:p>
+            <a:endParaRPr lang="pl-PL"/>
           </a:p>
         </p:txBody>
       </p:sp>
       <p:pic>
         <p:nvPicPr>
-          <p:cNvPr id="5" name="Obraz 4" descr="Obraz zawierający krąg, diagram, linia&#10;&#10;Opis wygenerowany automatycznie">
-            <a:extLst>
-              <a:ext uri="{FF2B5EF4-FFF2-40B4-BE49-F238E27FC236}">
-                <a16:creationId xmlns:a16="http://schemas.microsoft.com/office/drawing/2014/main" id="{9FD0521F-0586-D8B4-BD66-E297E6C31AB2}"/>
-              </a:ext>
-            </a:extLst>
-          </p:cNvPr>
+          <p:cNvPr id="6146" name="Picture 2" descr="C:\Users\HP\Desktop\Płaszczaki\plot po kolei\6.png"/>
           <p:cNvPicPr>
-            <a:picLocks noChangeAspect="1"/>
+            <a:picLocks noChangeAspect="1" noChangeArrowheads="1"/>
           </p:cNvPicPr>
           <p:nvPr/>
         </p:nvPicPr>
         <p:blipFill>
-          <a:blip r:embed="rId2"/>
+          <a:blip r:embed="rId2" cstate="print"/>
+          <a:srcRect/>
           <a:stretch>
             <a:fillRect/>
           </a:stretch>
         </p:blipFill>
-        <p:spPr>
+        <p:spPr bwMode="auto">
           <a:xfrm>
-            <a:off x="3728903" y="2852201"/>
-            <a:ext cx="4562475" cy="3514725"/>
+            <a:off x="228600" y="184902"/>
+            <a:ext cx="11431588" cy="6516687"/>
           </a:xfrm>
           <a:prstGeom prst="rect">
             <a:avLst/>
           </a:prstGeom>
+          <a:noFill/>
         </p:spPr>
       </p:pic>
+      <p:sp>
+        <p:nvSpPr>
+          <p:cNvPr id="5" name="pole tekstowe 4"/>
+          <p:cNvSpPr txBox="1"/>
+          <p:nvPr/>
+        </p:nvSpPr>
+        <p:spPr>
+          <a:xfrm>
+            <a:off x="9721516" y="6027822"/>
+            <a:ext cx="1915909" cy="369332"/>
+          </a:xfrm>
+          <a:prstGeom prst="rect">
+            <a:avLst/>
+          </a:prstGeom>
+          <a:noFill/>
+        </p:spPr>
+        <p:txBody>
+          <a:bodyPr wrap="none" rtlCol="0">
+            <a:spAutoFit/>
+          </a:bodyPr>
+          <a:lstStyle/>
+          <a:p>
+            <a:r>
+              <a:rPr lang="pl-PL" dirty="0" smtClean="0"/>
+              <a:t>Algorytm Dijkstry</a:t>
+            </a:r>
+            <a:endParaRPr lang="pl-PL" dirty="0"/>
+          </a:p>
+        </p:txBody>
+      </p:sp>
     </p:spTree>
-    <p:extLst>
-      <p:ext uri="{BB962C8B-B14F-4D97-AF65-F5344CB8AC3E}">
-        <p14:creationId xmlns:p14="http://schemas.microsoft.com/office/powerpoint/2010/main" val="993114220"/>
-      </p:ext>
-    </p:extLst>
   </p:cSld>
   <p:clrMapOvr>
     <a:masterClrMapping/>
@@ -5021,13 +6289,7 @@
       </p:grpSpPr>
       <p:sp>
         <p:nvSpPr>
-          <p:cNvPr id="2" name="Tytuł 1">
-            <a:extLst>
-              <a:ext uri="{FF2B5EF4-FFF2-40B4-BE49-F238E27FC236}">
-                <a16:creationId xmlns:a16="http://schemas.microsoft.com/office/drawing/2014/main" id="{752C3573-E1D8-7EDC-DE6C-41F4F9694167}"/>
-              </a:ext>
-            </a:extLst>
-          </p:cNvPr>
+          <p:cNvPr id="2" name="Tytuł 1"/>
           <p:cNvSpPr>
             <a:spLocks noGrp="1"/>
           </p:cNvSpPr>
@@ -5046,13 +6308,7 @@
       </p:sp>
       <p:sp>
         <p:nvSpPr>
-          <p:cNvPr id="3" name="Symbol zastępczy zawartości 2">
-            <a:extLst>
-              <a:ext uri="{FF2B5EF4-FFF2-40B4-BE49-F238E27FC236}">
-                <a16:creationId xmlns:a16="http://schemas.microsoft.com/office/drawing/2014/main" id="{8630D552-1B7F-B146-074D-C39AB0D961A9}"/>
-              </a:ext>
-            </a:extLst>
-          </p:cNvPr>
+          <p:cNvPr id="3" name="Symbol zastępczy zawartości 2"/>
           <p:cNvSpPr>
             <a:spLocks noGrp="1"/>
           </p:cNvSpPr>
@@ -5062,56 +6318,74 @@
         </p:nvSpPr>
         <p:spPr/>
         <p:txBody>
-          <a:bodyPr vert="horz" lIns="91440" tIns="45720" rIns="91440" bIns="45720" rtlCol="0" anchor="t">
-            <a:normAutofit/>
+          <a:bodyPr/>
+          <a:lstStyle/>
+          <a:p>
+            <a:endParaRPr lang="pl-PL"/>
+          </a:p>
+        </p:txBody>
+      </p:sp>
+      <p:pic>
+        <p:nvPicPr>
+          <p:cNvPr id="7170" name="Picture 2" descr="C:\Users\HP\Desktop\Płaszczaki\plot po kolei\7.png"/>
+          <p:cNvPicPr>
+            <a:picLocks noChangeAspect="1" noChangeArrowheads="1"/>
+          </p:cNvPicPr>
+          <p:nvPr/>
+        </p:nvPicPr>
+        <p:blipFill>
+          <a:blip r:embed="rId2" cstate="print"/>
+          <a:srcRect/>
+          <a:stretch>
+            <a:fillRect/>
+          </a:stretch>
+        </p:blipFill>
+        <p:spPr bwMode="auto">
+          <a:xfrm>
+            <a:off x="2151064" y="435058"/>
+            <a:ext cx="7754937" cy="5821363"/>
+          </a:xfrm>
+          <a:prstGeom prst="rect">
+            <a:avLst/>
+          </a:prstGeom>
+          <a:noFill/>
+        </p:spPr>
+      </p:pic>
+      <p:sp>
+        <p:nvSpPr>
+          <p:cNvPr id="5" name="pole tekstowe 4"/>
+          <p:cNvSpPr txBox="1"/>
+          <p:nvPr/>
+        </p:nvSpPr>
+        <p:spPr>
+          <a:xfrm>
+            <a:off x="8899248" y="6071498"/>
+            <a:ext cx="2852063" cy="369332"/>
+          </a:xfrm>
+          <a:prstGeom prst="rect">
+            <a:avLst/>
+          </a:prstGeom>
+          <a:noFill/>
+        </p:spPr>
+        <p:txBody>
+          <a:bodyPr wrap="none" rtlCol="0">
+            <a:spAutoFit/>
           </a:bodyPr>
           <a:lstStyle/>
           <a:p>
             <a:r>
-              <a:rPr lang="pl-PL" dirty="0">
-                <a:ea typeface="+mn-lt"/>
-                <a:cs typeface="+mn-lt"/>
-              </a:rPr>
-              <a:t>(min </a:t>
-            </a:r>
-            <a:r>
-              <a:rPr lang="pl-PL" dirty="0" err="1">
-                <a:ea typeface="+mn-lt"/>
-                <a:cs typeface="+mn-lt"/>
-              </a:rPr>
-              <a:t>heap</a:t>
-            </a:r>
-            <a:r>
-              <a:rPr lang="pl-PL" dirty="0">
-                <a:ea typeface="+mn-lt"/>
-                <a:cs typeface="+mn-lt"/>
-              </a:rPr>
-              <a:t>): [*: 2, *: 2] wyjmujemy naszych </a:t>
-            </a:r>
-            <a:r>
-              <a:rPr lang="pl-PL" dirty="0" err="1">
-                <a:ea typeface="+mn-lt"/>
-                <a:cs typeface="+mn-lt"/>
-              </a:rPr>
-              <a:t>rodzicow</a:t>
-            </a:r>
-            <a:r>
-              <a:rPr lang="pl-PL" dirty="0">
-                <a:ea typeface="+mn-lt"/>
-                <a:cs typeface="+mn-lt"/>
-              </a:rPr>
-              <a:t> i powstaje całe drzewo </a:t>
+              <a:rPr lang="pl-PL" dirty="0" smtClean="0"/>
+              <a:t>Algorytm </a:t>
+            </a:r>
+            <a:r>
+              <a:rPr lang="pl-PL" dirty="0" err="1" smtClean="0"/>
+              <a:t>Hopcrofta-Karpa</a:t>
             </a:r>
             <a:endParaRPr lang="pl-PL" dirty="0"/>
           </a:p>
         </p:txBody>
       </p:sp>
     </p:spTree>
-    <p:extLst>
-      <p:ext uri="{BB962C8B-B14F-4D97-AF65-F5344CB8AC3E}">
-        <p14:creationId xmlns:p14="http://schemas.microsoft.com/office/powerpoint/2010/main" val="1174129960"/>
-      </p:ext>
-    </p:extLst>
   </p:cSld>
   <p:clrMapOvr>
     <a:masterClrMapping/>
@@ -5138,18 +6412,31 @@
       </p:grpSpPr>
       <p:sp>
         <p:nvSpPr>
-          <p:cNvPr id="2" name="Tytuł 1">
-            <a:extLst>
-              <a:ext uri="{FF2B5EF4-FFF2-40B4-BE49-F238E27FC236}">
-                <a16:creationId xmlns:a16="http://schemas.microsoft.com/office/drawing/2014/main" id="{31CAE0CE-EAD9-E23E-1696-9B70E44E3F4C}"/>
-              </a:ext>
-            </a:extLst>
-          </p:cNvPr>
+          <p:cNvPr id="2" name="Tytuł 1"/>
           <p:cNvSpPr>
             <a:spLocks noGrp="1"/>
           </p:cNvSpPr>
           <p:nvPr>
             <p:ph type="title"/>
+          </p:nvPr>
+        </p:nvSpPr>
+        <p:spPr/>
+        <p:txBody>
+          <a:bodyPr/>
+          <a:lstStyle/>
+          <a:p>
+            <a:endParaRPr lang="pl-PL"/>
+          </a:p>
+        </p:txBody>
+      </p:sp>
+      <p:sp>
+        <p:nvSpPr>
+          <p:cNvPr id="3" name="Symbol zastępczy zawartości 2"/>
+          <p:cNvSpPr>
+            <a:spLocks noGrp="1"/>
+          </p:cNvSpPr>
+          <p:nvPr>
+            <p:ph idx="1"/>
           </p:nvPr>
         </p:nvSpPr>
         <p:spPr/>
@@ -5163,39 +6450,61 @@
       </p:sp>
       <p:pic>
         <p:nvPicPr>
-          <p:cNvPr id="4" name="Symbol zastępczy zawartości 3" descr="Obraz zawierający diagram, krąg&#10;&#10;Opis wygenerowany automatycznie">
-            <a:extLst>
-              <a:ext uri="{FF2B5EF4-FFF2-40B4-BE49-F238E27FC236}">
-                <a16:creationId xmlns:a16="http://schemas.microsoft.com/office/drawing/2014/main" id="{B96F559E-B5D0-426D-36F5-04693BEC8C8D}"/>
-              </a:ext>
-            </a:extLst>
-          </p:cNvPr>
+          <p:cNvPr id="8194" name="Picture 2" descr="C:\Users\HP\Desktop\Płaszczaki\plot po kolei\8.png"/>
           <p:cNvPicPr>
-            <a:picLocks noGrp="1" noChangeAspect="1"/>
+            <a:picLocks noChangeAspect="1" noChangeArrowheads="1"/>
           </p:cNvPicPr>
-          <p:nvPr>
-            <p:ph idx="1"/>
-          </p:nvPr>
+          <p:nvPr/>
         </p:nvPicPr>
         <p:blipFill>
-          <a:blip r:embed="rId2"/>
+          <a:blip r:embed="rId2" cstate="print"/>
+          <a:srcRect/>
           <a:stretch>
             <a:fillRect/>
           </a:stretch>
         </p:blipFill>
+        <p:spPr bwMode="auto">
+          <a:xfrm>
+            <a:off x="2815474" y="2271128"/>
+            <a:ext cx="6354762" cy="2076450"/>
+          </a:xfrm>
+          <a:prstGeom prst="rect">
+            <a:avLst/>
+          </a:prstGeom>
+          <a:noFill/>
+        </p:spPr>
+      </p:pic>
+      <p:sp>
+        <p:nvSpPr>
+          <p:cNvPr id="5" name="pole tekstowe 4"/>
+          <p:cNvSpPr txBox="1"/>
+          <p:nvPr/>
+        </p:nvSpPr>
         <p:spPr>
           <a:xfrm>
-            <a:off x="2654968" y="1825625"/>
-            <a:ext cx="6882064" cy="4351338"/>
+            <a:off x="9667785" y="6116656"/>
+            <a:ext cx="2185214" cy="369332"/>
           </a:xfrm>
+          <a:prstGeom prst="rect">
+            <a:avLst/>
+          </a:prstGeom>
+          <a:noFill/>
         </p:spPr>
-      </p:pic>
+        <p:txBody>
+          <a:bodyPr wrap="none" rtlCol="0">
+            <a:spAutoFit/>
+          </a:bodyPr>
+          <a:lstStyle/>
+          <a:p>
+            <a:r>
+              <a:rPr lang="pl-PL" dirty="0" smtClean="0"/>
+              <a:t>Problem plecakowy</a:t>
+            </a:r>
+            <a:endParaRPr lang="pl-PL" dirty="0"/>
+          </a:p>
+        </p:txBody>
+      </p:sp>
     </p:spTree>
-    <p:extLst>
-      <p:ext uri="{BB962C8B-B14F-4D97-AF65-F5344CB8AC3E}">
-        <p14:creationId xmlns:p14="http://schemas.microsoft.com/office/powerpoint/2010/main" val="88838833"/>
-      </p:ext>
-    </p:extLst>
   </p:cSld>
   <p:clrMapOvr>
     <a:masterClrMapping/>
@@ -5246,7 +6555,7 @@
     </a:clrScheme>
     <a:fontScheme name="Pakiet Office">
       <a:majorFont>
-        <a:latin typeface="Aptos Display" panose="020F0302020204030204"/>
+        <a:latin typeface="Aptos Display"/>
         <a:ea typeface=""/>
         <a:cs typeface=""/>
         <a:font script="Jpan" typeface="ＭＳ Ｐゴシック"/>
@@ -5281,7 +6590,7 @@
         <a:font script="Geor" typeface="Sylfaen"/>
       </a:majorFont>
       <a:minorFont>
-        <a:latin typeface="Aptos" panose="020B0004020202020204"/>
+        <a:latin typeface="Aptos"/>
         <a:ea typeface=""/>
         <a:cs typeface=""/>
         <a:font script="Jpan" typeface="ＭＳ Ｐゴシック"/>
@@ -5478,7 +6787,7 @@
   <a:extraClrSchemeLst/>
   <a:extLst>
     <a:ext uri="{05A4C25C-085E-4340-85A3-A5531E510DB2}">
-      <thm15:themeFamily xmlns:thm15="http://schemas.microsoft.com/office/thememl/2012/main" name="Office Theme" id="{2E142A2C-CD16-42D6-873A-C26D2A0506FA}" vid="{1BDDFF52-6CD6-40A5-AB3C-68EB2F1E4D0A}"/>
+      <thm15:themeFamily xmlns:thm15="http://schemas.microsoft.com/office/thememl/2012/main" xmlns="" name="Office Theme" id="{2E142A2C-CD16-42D6-873A-C26D2A0506FA}" vid="{1BDDFF52-6CD6-40A5-AB3C-68EB2F1E4D0A}"/>
     </a:ext>
   </a:extLst>
 </a:theme>
